--- a/Introduction/intro_slides.pptx
+++ b/Introduction/intro_slides.pptx
@@ -1,121 +1,29 @@
 
 <file path=ppt/presentation.xml><?xml version="1.0" encoding="utf-8"?>
-<p:presentation xmlns:a="http://schemas.openxmlformats.org/drawingml/2006/main" xmlns:r="http://schemas.openxmlformats.org/officeDocument/2006/relationships" xmlns:p="http://schemas.openxmlformats.org/presentationml/2006/main">
+<p:presentation xmlns:a="http://schemas.openxmlformats.org/drawingml/2006/main" xmlns:p="http://schemas.openxmlformats.org/presentationml/2006/main" xmlns:r="http://schemas.openxmlformats.org/officeDocument/2006/relationships" xmlns:p14="http://schemas.microsoft.com/office/powerpoint/2010/main" xmlns:p15="http://schemas.microsoft.com/office/powerpoint/2012/main" xmlns:mc="http://schemas.openxmlformats.org/markup-compatibility/2006">
   <p:sldMasterIdLst>
-    <p:sldMasterId id="2147483648" r:id="rId1"/>
+    <p:sldMasterId id="2147483648" r:id="rId2"/>
   </p:sldMasterIdLst>
   <p:sldIdLst>
-    <p:sldId id="256" r:id="rId2"/>
-    <p:sldId id="257" r:id="rId3"/>
-    <p:sldId id="258" r:id="rId4"/>
-    <p:sldId id="259" r:id="rId5"/>
-    <p:sldId id="260" r:id="rId6"/>
-    <p:sldId id="261" r:id="rId7"/>
-    <p:sldId id="262" r:id="rId8"/>
-    <p:sldId id="263" r:id="rId9"/>
+    <p:sldId id="256" r:id="rId3"/>
+    <p:sldId id="257" r:id="rId4"/>
+    <p:sldId id="258" r:id="rId5"/>
+    <p:sldId id="259" r:id="rId6"/>
+    <p:sldId id="260" r:id="rId7"/>
+    <p:sldId id="261" r:id="rId8"/>
+    <p:sldId id="262" r:id="rId9"/>
+    <p:sldId id="263" r:id="rId10"/>
+    <p:sldId id="264" r:id="rId11"/>
+    <p:sldId id="265" r:id="rId12"/>
+    <p:sldId id="266" r:id="rId13"/>
   </p:sldIdLst>
-  <p:sldSz cx="9144000" cy="6858000" type="screen4x3"/>
+  <p:sldSz cx="9144000" cy="6858000"/>
   <p:notesSz cx="7772400" cy="10058400"/>
-  <p:defaultTextStyle>
-    <a:defPPr>
-      <a:defRPr lang="en-US"/>
-    </a:defPPr>
-    <a:lvl1pPr marL="0" algn="l" defTabSz="914400" rtl="0" eaLnBrk="1" latinLnBrk="0" hangingPunct="1">
-      <a:defRPr sz="1800" kern="1200">
-        <a:solidFill>
-          <a:schemeClr val="tx1"/>
-        </a:solidFill>
-        <a:latin typeface="+mn-lt"/>
-        <a:ea typeface="+mn-ea"/>
-        <a:cs typeface="+mn-cs"/>
-      </a:defRPr>
-    </a:lvl1pPr>
-    <a:lvl2pPr marL="457200" algn="l" defTabSz="914400" rtl="0" eaLnBrk="1" latinLnBrk="0" hangingPunct="1">
-      <a:defRPr sz="1800" kern="1200">
-        <a:solidFill>
-          <a:schemeClr val="tx1"/>
-        </a:solidFill>
-        <a:latin typeface="+mn-lt"/>
-        <a:ea typeface="+mn-ea"/>
-        <a:cs typeface="+mn-cs"/>
-      </a:defRPr>
-    </a:lvl2pPr>
-    <a:lvl3pPr marL="914400" algn="l" defTabSz="914400" rtl="0" eaLnBrk="1" latinLnBrk="0" hangingPunct="1">
-      <a:defRPr sz="1800" kern="1200">
-        <a:solidFill>
-          <a:schemeClr val="tx1"/>
-        </a:solidFill>
-        <a:latin typeface="+mn-lt"/>
-        <a:ea typeface="+mn-ea"/>
-        <a:cs typeface="+mn-cs"/>
-      </a:defRPr>
-    </a:lvl3pPr>
-    <a:lvl4pPr marL="1371600" algn="l" defTabSz="914400" rtl="0" eaLnBrk="1" latinLnBrk="0" hangingPunct="1">
-      <a:defRPr sz="1800" kern="1200">
-        <a:solidFill>
-          <a:schemeClr val="tx1"/>
-        </a:solidFill>
-        <a:latin typeface="+mn-lt"/>
-        <a:ea typeface="+mn-ea"/>
-        <a:cs typeface="+mn-cs"/>
-      </a:defRPr>
-    </a:lvl4pPr>
-    <a:lvl5pPr marL="1828800" algn="l" defTabSz="914400" rtl="0" eaLnBrk="1" latinLnBrk="0" hangingPunct="1">
-      <a:defRPr sz="1800" kern="1200">
-        <a:solidFill>
-          <a:schemeClr val="tx1"/>
-        </a:solidFill>
-        <a:latin typeface="+mn-lt"/>
-        <a:ea typeface="+mn-ea"/>
-        <a:cs typeface="+mn-cs"/>
-      </a:defRPr>
-    </a:lvl5pPr>
-    <a:lvl6pPr marL="2286000" algn="l" defTabSz="914400" rtl="0" eaLnBrk="1" latinLnBrk="0" hangingPunct="1">
-      <a:defRPr sz="1800" kern="1200">
-        <a:solidFill>
-          <a:schemeClr val="tx1"/>
-        </a:solidFill>
-        <a:latin typeface="+mn-lt"/>
-        <a:ea typeface="+mn-ea"/>
-        <a:cs typeface="+mn-cs"/>
-      </a:defRPr>
-    </a:lvl6pPr>
-    <a:lvl7pPr marL="2743200" algn="l" defTabSz="914400" rtl="0" eaLnBrk="1" latinLnBrk="0" hangingPunct="1">
-      <a:defRPr sz="1800" kern="1200">
-        <a:solidFill>
-          <a:schemeClr val="tx1"/>
-        </a:solidFill>
-        <a:latin typeface="+mn-lt"/>
-        <a:ea typeface="+mn-ea"/>
-        <a:cs typeface="+mn-cs"/>
-      </a:defRPr>
-    </a:lvl7pPr>
-    <a:lvl8pPr marL="3200400" algn="l" defTabSz="914400" rtl="0" eaLnBrk="1" latinLnBrk="0" hangingPunct="1">
-      <a:defRPr sz="1800" kern="1200">
-        <a:solidFill>
-          <a:schemeClr val="tx1"/>
-        </a:solidFill>
-        <a:latin typeface="+mn-lt"/>
-        <a:ea typeface="+mn-ea"/>
-        <a:cs typeface="+mn-cs"/>
-      </a:defRPr>
-    </a:lvl8pPr>
-    <a:lvl9pPr marL="3657600" algn="l" defTabSz="914400" rtl="0" eaLnBrk="1" latinLnBrk="0" hangingPunct="1">
-      <a:defRPr sz="1800" kern="1200">
-        <a:solidFill>
-          <a:schemeClr val="tx1"/>
-        </a:solidFill>
-        <a:latin typeface="+mn-lt"/>
-        <a:ea typeface="+mn-ea"/>
-        <a:cs typeface="+mn-cs"/>
-      </a:defRPr>
-    </a:lvl9pPr>
-  </p:defaultTextStyle>
 </p:presentation>
 </file>
 
 <file path=ppt/slideLayouts/slideLayout1.xml><?xml version="1.0" encoding="utf-8"?>
-<p:sldLayout xmlns:a="http://schemas.openxmlformats.org/drawingml/2006/main" xmlns:r="http://schemas.openxmlformats.org/officeDocument/2006/relationships" xmlns:p="http://schemas.openxmlformats.org/presentationml/2006/main" type="blank" preserve="1">
+<p:sldLayout xmlns:a="http://schemas.openxmlformats.org/drawingml/2006/main" xmlns:p="http://schemas.openxmlformats.org/presentationml/2006/main" xmlns:r="http://schemas.openxmlformats.org/officeDocument/2006/relationships" xmlns:p14="http://schemas.microsoft.com/office/powerpoint/2010/main" xmlns:p15="http://schemas.microsoft.com/office/powerpoint/2012/main" xmlns:mc="http://schemas.openxmlformats.org/markup-compatibility/2006" type="blank" preserve="1">
   <p:cSld name="Blank Slide">
     <p:spTree>
       <p:nvGrpSpPr>
@@ -133,14 +41,11 @@
       </p:grpSpPr>
     </p:spTree>
   </p:cSld>
-  <p:clrMapOvr>
-    <a:masterClrMapping/>
-  </p:clrMapOvr>
 </p:sldLayout>
 </file>
 
 <file path=ppt/slideLayouts/slideLayout10.xml><?xml version="1.0" encoding="utf-8"?>
-<p:sldLayout xmlns:a="http://schemas.openxmlformats.org/drawingml/2006/main" xmlns:r="http://schemas.openxmlformats.org/officeDocument/2006/relationships" xmlns:p="http://schemas.openxmlformats.org/presentationml/2006/main" type="objOverTx" preserve="1">
+<p:sldLayout xmlns:a="http://schemas.openxmlformats.org/drawingml/2006/main" xmlns:p="http://schemas.openxmlformats.org/presentationml/2006/main" xmlns:r="http://schemas.openxmlformats.org/officeDocument/2006/relationships" xmlns:p14="http://schemas.microsoft.com/office/powerpoint/2010/main" xmlns:p15="http://schemas.microsoft.com/office/powerpoint/2012/main" xmlns:mc="http://schemas.openxmlformats.org/markup-compatibility/2006" type="objOverTx" preserve="1">
   <p:cSld name="Title, Content over Content">
     <p:spTree>
       <p:nvGrpSpPr>
@@ -158,7 +63,7 @@
       </p:grpSpPr>
       <p:sp>
         <p:nvSpPr>
-          <p:cNvPr id="26" name="PlaceHolder 1"/>
+          <p:cNvPr id="23" name="PlaceHolder 1"/>
           <p:cNvSpPr>
             <a:spLocks noGrp="1"/>
           </p:cNvSpPr>
@@ -169,23 +74,32 @@
         <p:spPr>
           <a:xfrm>
             <a:off x="685800" y="2130480"/>
-            <a:ext cx="7772040" cy="1469880"/>
-          </a:xfrm>
-          <a:prstGeom prst="rect">
-            <a:avLst/>
-          </a:prstGeom>
-        </p:spPr>
-        <p:txBody>
-          <a:bodyPr lIns="0" tIns="0" rIns="0" bIns="0" anchor="ctr"/>
-          <a:lstStyle/>
-          <a:p>
-            <a:endParaRPr/>
-          </a:p>
-        </p:txBody>
-      </p:sp>
-      <p:sp>
-        <p:nvSpPr>
-          <p:cNvPr id="27" name="PlaceHolder 2"/>
+            <a:ext cx="7771680" cy="1469520"/>
+          </a:xfrm>
+          <a:prstGeom prst="rect">
+            <a:avLst/>
+          </a:prstGeom>
+        </p:spPr>
+        <p:txBody>
+          <a:bodyPr lIns="0" rIns="0" tIns="0" bIns="0" anchor="ctr"/>
+          <a:p>
+            <a:endParaRPr b="0" lang="en-US" sz="1800" spc="-1" strike="noStrike">
+              <a:solidFill>
+                <a:srgbClr val="000000"/>
+              </a:solidFill>
+              <a:uFill>
+                <a:solidFill>
+                  <a:srgbClr val="ffffff"/>
+                </a:solidFill>
+              </a:uFill>
+              <a:latin typeface="Arial"/>
+            </a:endParaRPr>
+          </a:p>
+        </p:txBody>
+      </p:sp>
+      <p:sp>
+        <p:nvSpPr>
+          <p:cNvPr id="24" name="PlaceHolder 2"/>
           <p:cNvSpPr>
             <a:spLocks noGrp="1"/>
           </p:cNvSpPr>
@@ -203,16 +117,25 @@
           </a:prstGeom>
         </p:spPr>
         <p:txBody>
-          <a:bodyPr lIns="0" tIns="0" rIns="0" bIns="0"/>
-          <a:lstStyle/>
-          <a:p>
-            <a:endParaRPr/>
-          </a:p>
-        </p:txBody>
-      </p:sp>
-      <p:sp>
-        <p:nvSpPr>
-          <p:cNvPr id="28" name="PlaceHolder 3"/>
+          <a:bodyPr lIns="0" rIns="0" tIns="0" bIns="0"/>
+          <a:p>
+            <a:endParaRPr b="0" lang="en-US" sz="1800" spc="-1" strike="noStrike">
+              <a:solidFill>
+                <a:srgbClr val="000000"/>
+              </a:solidFill>
+              <a:uFill>
+                <a:solidFill>
+                  <a:srgbClr val="ffffff"/>
+                </a:solidFill>
+              </a:uFill>
+              <a:latin typeface="Arial"/>
+            </a:endParaRPr>
+          </a:p>
+        </p:txBody>
+      </p:sp>
+      <p:sp>
+        <p:nvSpPr>
+          <p:cNvPr id="25" name="PlaceHolder 3"/>
           <p:cNvSpPr>
             <a:spLocks noGrp="1"/>
           </p:cNvSpPr>
@@ -230,23 +153,29 @@
           </a:prstGeom>
         </p:spPr>
         <p:txBody>
-          <a:bodyPr lIns="0" tIns="0" rIns="0" bIns="0"/>
-          <a:lstStyle/>
-          <a:p>
-            <a:endParaRPr/>
+          <a:bodyPr lIns="0" rIns="0" tIns="0" bIns="0"/>
+          <a:p>
+            <a:endParaRPr b="0" lang="en-US" sz="1800" spc="-1" strike="noStrike">
+              <a:solidFill>
+                <a:srgbClr val="000000"/>
+              </a:solidFill>
+              <a:uFill>
+                <a:solidFill>
+                  <a:srgbClr val="ffffff"/>
+                </a:solidFill>
+              </a:uFill>
+              <a:latin typeface="Arial"/>
+            </a:endParaRPr>
           </a:p>
         </p:txBody>
       </p:sp>
     </p:spTree>
   </p:cSld>
-  <p:clrMapOvr>
-    <a:masterClrMapping/>
-  </p:clrMapOvr>
 </p:sldLayout>
 </file>
 
 <file path=ppt/slideLayouts/slideLayout11.xml><?xml version="1.0" encoding="utf-8"?>
-<p:sldLayout xmlns:a="http://schemas.openxmlformats.org/drawingml/2006/main" xmlns:r="http://schemas.openxmlformats.org/officeDocument/2006/relationships" xmlns:p="http://schemas.openxmlformats.org/presentationml/2006/main" type="fourObj" preserve="1">
+<p:sldLayout xmlns:a="http://schemas.openxmlformats.org/drawingml/2006/main" xmlns:p="http://schemas.openxmlformats.org/presentationml/2006/main" xmlns:r="http://schemas.openxmlformats.org/officeDocument/2006/relationships" xmlns:p14="http://schemas.microsoft.com/office/powerpoint/2010/main" xmlns:p15="http://schemas.microsoft.com/office/powerpoint/2012/main" xmlns:mc="http://schemas.openxmlformats.org/markup-compatibility/2006" type="fourObj" preserve="1">
   <p:cSld name="Title, 4 Content">
     <p:spTree>
       <p:nvGrpSpPr>
@@ -264,7 +193,7 @@
       </p:grpSpPr>
       <p:sp>
         <p:nvSpPr>
-          <p:cNvPr id="29" name="PlaceHolder 1"/>
+          <p:cNvPr id="26" name="PlaceHolder 1"/>
           <p:cNvSpPr>
             <a:spLocks noGrp="1"/>
           </p:cNvSpPr>
@@ -275,23 +204,32 @@
         <p:spPr>
           <a:xfrm>
             <a:off x="685800" y="2130480"/>
-            <a:ext cx="7772040" cy="1469880"/>
-          </a:xfrm>
-          <a:prstGeom prst="rect">
-            <a:avLst/>
-          </a:prstGeom>
-        </p:spPr>
-        <p:txBody>
-          <a:bodyPr lIns="0" tIns="0" rIns="0" bIns="0" anchor="ctr"/>
-          <a:lstStyle/>
-          <a:p>
-            <a:endParaRPr/>
-          </a:p>
-        </p:txBody>
-      </p:sp>
-      <p:sp>
-        <p:nvSpPr>
-          <p:cNvPr id="30" name="PlaceHolder 2"/>
+            <a:ext cx="7771680" cy="1469520"/>
+          </a:xfrm>
+          <a:prstGeom prst="rect">
+            <a:avLst/>
+          </a:prstGeom>
+        </p:spPr>
+        <p:txBody>
+          <a:bodyPr lIns="0" rIns="0" tIns="0" bIns="0" anchor="ctr"/>
+          <a:p>
+            <a:endParaRPr b="0" lang="en-US" sz="1800" spc="-1" strike="noStrike">
+              <a:solidFill>
+                <a:srgbClr val="000000"/>
+              </a:solidFill>
+              <a:uFill>
+                <a:solidFill>
+                  <a:srgbClr val="ffffff"/>
+                </a:solidFill>
+              </a:uFill>
+              <a:latin typeface="Arial"/>
+            </a:endParaRPr>
+          </a:p>
+        </p:txBody>
+      </p:sp>
+      <p:sp>
+        <p:nvSpPr>
+          <p:cNvPr id="27" name="PlaceHolder 2"/>
           <p:cNvSpPr>
             <a:spLocks noGrp="1"/>
           </p:cNvSpPr>
@@ -309,16 +247,25 @@
           </a:prstGeom>
         </p:spPr>
         <p:txBody>
-          <a:bodyPr lIns="0" tIns="0" rIns="0" bIns="0"/>
-          <a:lstStyle/>
-          <a:p>
-            <a:endParaRPr/>
-          </a:p>
-        </p:txBody>
-      </p:sp>
-      <p:sp>
-        <p:nvSpPr>
-          <p:cNvPr id="31" name="PlaceHolder 3"/>
+          <a:bodyPr lIns="0" rIns="0" tIns="0" bIns="0"/>
+          <a:p>
+            <a:endParaRPr b="0" lang="en-US" sz="1800" spc="-1" strike="noStrike">
+              <a:solidFill>
+                <a:srgbClr val="000000"/>
+              </a:solidFill>
+              <a:uFill>
+                <a:solidFill>
+                  <a:srgbClr val="ffffff"/>
+                </a:solidFill>
+              </a:uFill>
+              <a:latin typeface="Arial"/>
+            </a:endParaRPr>
+          </a:p>
+        </p:txBody>
+      </p:sp>
+      <p:sp>
+        <p:nvSpPr>
+          <p:cNvPr id="28" name="PlaceHolder 3"/>
           <p:cNvSpPr>
             <a:spLocks noGrp="1"/>
           </p:cNvSpPr>
@@ -336,16 +283,25 @@
           </a:prstGeom>
         </p:spPr>
         <p:txBody>
-          <a:bodyPr lIns="0" tIns="0" rIns="0" bIns="0"/>
-          <a:lstStyle/>
-          <a:p>
-            <a:endParaRPr/>
-          </a:p>
-        </p:txBody>
-      </p:sp>
-      <p:sp>
-        <p:nvSpPr>
-          <p:cNvPr id="32" name="PlaceHolder 4"/>
+          <a:bodyPr lIns="0" rIns="0" tIns="0" bIns="0"/>
+          <a:p>
+            <a:endParaRPr b="0" lang="en-US" sz="1800" spc="-1" strike="noStrike">
+              <a:solidFill>
+                <a:srgbClr val="000000"/>
+              </a:solidFill>
+              <a:uFill>
+                <a:solidFill>
+                  <a:srgbClr val="ffffff"/>
+                </a:solidFill>
+              </a:uFill>
+              <a:latin typeface="Arial"/>
+            </a:endParaRPr>
+          </a:p>
+        </p:txBody>
+      </p:sp>
+      <p:sp>
+        <p:nvSpPr>
+          <p:cNvPr id="29" name="PlaceHolder 4"/>
           <p:cNvSpPr>
             <a:spLocks noGrp="1"/>
           </p:cNvSpPr>
@@ -363,16 +319,25 @@
           </a:prstGeom>
         </p:spPr>
         <p:txBody>
-          <a:bodyPr lIns="0" tIns="0" rIns="0" bIns="0"/>
-          <a:lstStyle/>
-          <a:p>
-            <a:endParaRPr/>
-          </a:p>
-        </p:txBody>
-      </p:sp>
-      <p:sp>
-        <p:nvSpPr>
-          <p:cNvPr id="33" name="PlaceHolder 5"/>
+          <a:bodyPr lIns="0" rIns="0" tIns="0" bIns="0"/>
+          <a:p>
+            <a:endParaRPr b="0" lang="en-US" sz="1800" spc="-1" strike="noStrike">
+              <a:solidFill>
+                <a:srgbClr val="000000"/>
+              </a:solidFill>
+              <a:uFill>
+                <a:solidFill>
+                  <a:srgbClr val="ffffff"/>
+                </a:solidFill>
+              </a:uFill>
+              <a:latin typeface="Arial"/>
+            </a:endParaRPr>
+          </a:p>
+        </p:txBody>
+      </p:sp>
+      <p:sp>
+        <p:nvSpPr>
+          <p:cNvPr id="30" name="PlaceHolder 5"/>
           <p:cNvSpPr>
             <a:spLocks noGrp="1"/>
           </p:cNvSpPr>
@@ -390,23 +355,29 @@
           </a:prstGeom>
         </p:spPr>
         <p:txBody>
-          <a:bodyPr lIns="0" tIns="0" rIns="0" bIns="0"/>
-          <a:lstStyle/>
-          <a:p>
-            <a:endParaRPr/>
+          <a:bodyPr lIns="0" rIns="0" tIns="0" bIns="0"/>
+          <a:p>
+            <a:endParaRPr b="0" lang="en-US" sz="1800" spc="-1" strike="noStrike">
+              <a:solidFill>
+                <a:srgbClr val="000000"/>
+              </a:solidFill>
+              <a:uFill>
+                <a:solidFill>
+                  <a:srgbClr val="ffffff"/>
+                </a:solidFill>
+              </a:uFill>
+              <a:latin typeface="Arial"/>
+            </a:endParaRPr>
           </a:p>
         </p:txBody>
       </p:sp>
     </p:spTree>
   </p:cSld>
-  <p:clrMapOvr>
-    <a:masterClrMapping/>
-  </p:clrMapOvr>
 </p:sldLayout>
 </file>
 
 <file path=ppt/slideLayouts/slideLayout12.xml><?xml version="1.0" encoding="utf-8"?>
-<p:sldLayout xmlns:a="http://schemas.openxmlformats.org/drawingml/2006/main" xmlns:r="http://schemas.openxmlformats.org/officeDocument/2006/relationships" xmlns:p="http://schemas.openxmlformats.org/presentationml/2006/main" type="blank" preserve="1">
+<p:sldLayout xmlns:a="http://schemas.openxmlformats.org/drawingml/2006/main" xmlns:p="http://schemas.openxmlformats.org/presentationml/2006/main" xmlns:r="http://schemas.openxmlformats.org/officeDocument/2006/relationships" xmlns:p14="http://schemas.microsoft.com/office/powerpoint/2010/main" xmlns:p15="http://schemas.microsoft.com/office/powerpoint/2012/main" xmlns:mc="http://schemas.openxmlformats.org/markup-compatibility/2006" type="blank" preserve="1">
   <p:cSld name="Title, 6 Content">
     <p:spTree>
       <p:nvGrpSpPr>
@@ -424,7 +395,7 @@
       </p:grpSpPr>
       <p:sp>
         <p:nvSpPr>
-          <p:cNvPr id="34" name="PlaceHolder 1"/>
+          <p:cNvPr id="31" name="PlaceHolder 1"/>
           <p:cNvSpPr>
             <a:spLocks noGrp="1"/>
           </p:cNvSpPr>
@@ -435,23 +406,32 @@
         <p:spPr>
           <a:xfrm>
             <a:off x="685800" y="2130480"/>
-            <a:ext cx="7772040" cy="1469880"/>
-          </a:xfrm>
-          <a:prstGeom prst="rect">
-            <a:avLst/>
-          </a:prstGeom>
-        </p:spPr>
-        <p:txBody>
-          <a:bodyPr lIns="0" tIns="0" rIns="0" bIns="0" anchor="ctr"/>
-          <a:lstStyle/>
-          <a:p>
-            <a:endParaRPr/>
-          </a:p>
-        </p:txBody>
-      </p:sp>
-      <p:sp>
-        <p:nvSpPr>
-          <p:cNvPr id="35" name="PlaceHolder 2"/>
+            <a:ext cx="7771680" cy="1469520"/>
+          </a:xfrm>
+          <a:prstGeom prst="rect">
+            <a:avLst/>
+          </a:prstGeom>
+        </p:spPr>
+        <p:txBody>
+          <a:bodyPr lIns="0" rIns="0" tIns="0" bIns="0" anchor="ctr"/>
+          <a:p>
+            <a:endParaRPr b="0" lang="en-US" sz="1800" spc="-1" strike="noStrike">
+              <a:solidFill>
+                <a:srgbClr val="000000"/>
+              </a:solidFill>
+              <a:uFill>
+                <a:solidFill>
+                  <a:srgbClr val="ffffff"/>
+                </a:solidFill>
+              </a:uFill>
+              <a:latin typeface="Arial"/>
+            </a:endParaRPr>
+          </a:p>
+        </p:txBody>
+      </p:sp>
+      <p:sp>
+        <p:nvSpPr>
+          <p:cNvPr id="32" name="PlaceHolder 2"/>
           <p:cNvSpPr>
             <a:spLocks noGrp="1"/>
           </p:cNvSpPr>
@@ -462,23 +442,32 @@
         <p:spPr>
           <a:xfrm>
             <a:off x="457200" y="1604520"/>
-            <a:ext cx="8229240" cy="3977280"/>
-          </a:xfrm>
-          <a:prstGeom prst="rect">
-            <a:avLst/>
-          </a:prstGeom>
-        </p:spPr>
-        <p:txBody>
-          <a:bodyPr lIns="0" tIns="0" rIns="0" bIns="0"/>
-          <a:lstStyle/>
-          <a:p>
-            <a:endParaRPr/>
-          </a:p>
-        </p:txBody>
-      </p:sp>
-      <p:sp>
-        <p:nvSpPr>
-          <p:cNvPr id="36" name="PlaceHolder 3"/>
+            <a:ext cx="2649600" cy="1896840"/>
+          </a:xfrm>
+          <a:prstGeom prst="rect">
+            <a:avLst/>
+          </a:prstGeom>
+        </p:spPr>
+        <p:txBody>
+          <a:bodyPr lIns="0" rIns="0" tIns="0" bIns="0"/>
+          <a:p>
+            <a:endParaRPr b="0" lang="en-US" sz="1800" spc="-1" strike="noStrike">
+              <a:solidFill>
+                <a:srgbClr val="000000"/>
+              </a:solidFill>
+              <a:uFill>
+                <a:solidFill>
+                  <a:srgbClr val="ffffff"/>
+                </a:solidFill>
+              </a:uFill>
+              <a:latin typeface="Arial"/>
+            </a:endParaRPr>
+          </a:p>
+        </p:txBody>
+      </p:sp>
+      <p:sp>
+        <p:nvSpPr>
+          <p:cNvPr id="33" name="PlaceHolder 3"/>
           <p:cNvSpPr>
             <a:spLocks noGrp="1"/>
           </p:cNvSpPr>
@@ -488,81 +477,181 @@
         </p:nvSpPr>
         <p:spPr>
           <a:xfrm>
-            <a:off x="457200" y="1604520"/>
-            <a:ext cx="8229240" cy="3977280"/>
-          </a:xfrm>
-          <a:prstGeom prst="rect">
-            <a:avLst/>
-          </a:prstGeom>
-        </p:spPr>
-        <p:txBody>
-          <a:bodyPr lIns="0" tIns="0" rIns="0" bIns="0"/>
-          <a:lstStyle/>
-          <a:p>
-            <a:endParaRPr/>
-          </a:p>
-        </p:txBody>
-      </p:sp>
-      <p:pic>
-        <p:nvPicPr>
-          <p:cNvPr id="37" name="Picture 36"/>
-          <p:cNvPicPr/>
-          <p:nvPr/>
-        </p:nvPicPr>
-        <p:blipFill>
-          <a:blip r:embed="rId2"/>
-          <a:stretch>
-            <a:fillRect/>
-          </a:stretch>
-        </p:blipFill>
-        <p:spPr>
-          <a:xfrm>
-            <a:off x="2079000" y="1604520"/>
-            <a:ext cx="4984920" cy="3977280"/>
-          </a:xfrm>
-          <a:prstGeom prst="rect">
-            <a:avLst/>
-          </a:prstGeom>
-          <a:ln>
-            <a:noFill/>
-          </a:ln>
-        </p:spPr>
-      </p:pic>
-      <p:pic>
-        <p:nvPicPr>
-          <p:cNvPr id="38" name="Picture 37"/>
-          <p:cNvPicPr/>
-          <p:nvPr/>
-        </p:nvPicPr>
-        <p:blipFill>
-          <a:blip r:embed="rId2"/>
-          <a:stretch>
-            <a:fillRect/>
-          </a:stretch>
-        </p:blipFill>
-        <p:spPr>
-          <a:xfrm>
-            <a:off x="2079000" y="1604520"/>
-            <a:ext cx="4984920" cy="3977280"/>
-          </a:xfrm>
-          <a:prstGeom prst="rect">
-            <a:avLst/>
-          </a:prstGeom>
-          <a:ln>
-            <a:noFill/>
-          </a:ln>
-        </p:spPr>
-      </p:pic>
+            <a:off x="3239640" y="1604520"/>
+            <a:ext cx="2649600" cy="1896840"/>
+          </a:xfrm>
+          <a:prstGeom prst="rect">
+            <a:avLst/>
+          </a:prstGeom>
+        </p:spPr>
+        <p:txBody>
+          <a:bodyPr lIns="0" rIns="0" tIns="0" bIns="0"/>
+          <a:p>
+            <a:endParaRPr b="0" lang="en-US" sz="1800" spc="-1" strike="noStrike">
+              <a:solidFill>
+                <a:srgbClr val="000000"/>
+              </a:solidFill>
+              <a:uFill>
+                <a:solidFill>
+                  <a:srgbClr val="ffffff"/>
+                </a:solidFill>
+              </a:uFill>
+              <a:latin typeface="Arial"/>
+            </a:endParaRPr>
+          </a:p>
+        </p:txBody>
+      </p:sp>
+      <p:sp>
+        <p:nvSpPr>
+          <p:cNvPr id="34" name="PlaceHolder 4"/>
+          <p:cNvSpPr>
+            <a:spLocks noGrp="1"/>
+          </p:cNvSpPr>
+          <p:nvPr>
+            <p:ph type="body"/>
+          </p:nvPr>
+        </p:nvSpPr>
+        <p:spPr>
+          <a:xfrm>
+            <a:off x="6022080" y="1604520"/>
+            <a:ext cx="2649600" cy="1896840"/>
+          </a:xfrm>
+          <a:prstGeom prst="rect">
+            <a:avLst/>
+          </a:prstGeom>
+        </p:spPr>
+        <p:txBody>
+          <a:bodyPr lIns="0" rIns="0" tIns="0" bIns="0"/>
+          <a:p>
+            <a:endParaRPr b="0" lang="en-US" sz="1800" spc="-1" strike="noStrike">
+              <a:solidFill>
+                <a:srgbClr val="000000"/>
+              </a:solidFill>
+              <a:uFill>
+                <a:solidFill>
+                  <a:srgbClr val="ffffff"/>
+                </a:solidFill>
+              </a:uFill>
+              <a:latin typeface="Arial"/>
+            </a:endParaRPr>
+          </a:p>
+        </p:txBody>
+      </p:sp>
+      <p:sp>
+        <p:nvSpPr>
+          <p:cNvPr id="35" name="PlaceHolder 5"/>
+          <p:cNvSpPr>
+            <a:spLocks noGrp="1"/>
+          </p:cNvSpPr>
+          <p:nvPr>
+            <p:ph type="body"/>
+          </p:nvPr>
+        </p:nvSpPr>
+        <p:spPr>
+          <a:xfrm>
+            <a:off x="6022080" y="3682080"/>
+            <a:ext cx="2649600" cy="1896840"/>
+          </a:xfrm>
+          <a:prstGeom prst="rect">
+            <a:avLst/>
+          </a:prstGeom>
+        </p:spPr>
+        <p:txBody>
+          <a:bodyPr lIns="0" rIns="0" tIns="0" bIns="0"/>
+          <a:p>
+            <a:endParaRPr b="0" lang="en-US" sz="1800" spc="-1" strike="noStrike">
+              <a:solidFill>
+                <a:srgbClr val="000000"/>
+              </a:solidFill>
+              <a:uFill>
+                <a:solidFill>
+                  <a:srgbClr val="ffffff"/>
+                </a:solidFill>
+              </a:uFill>
+              <a:latin typeface="Arial"/>
+            </a:endParaRPr>
+          </a:p>
+        </p:txBody>
+      </p:sp>
+      <p:sp>
+        <p:nvSpPr>
+          <p:cNvPr id="36" name="PlaceHolder 6"/>
+          <p:cNvSpPr>
+            <a:spLocks noGrp="1"/>
+          </p:cNvSpPr>
+          <p:nvPr>
+            <p:ph type="body"/>
+          </p:nvPr>
+        </p:nvSpPr>
+        <p:spPr>
+          <a:xfrm>
+            <a:off x="3239640" y="3682080"/>
+            <a:ext cx="2649600" cy="1896840"/>
+          </a:xfrm>
+          <a:prstGeom prst="rect">
+            <a:avLst/>
+          </a:prstGeom>
+        </p:spPr>
+        <p:txBody>
+          <a:bodyPr lIns="0" rIns="0" tIns="0" bIns="0"/>
+          <a:p>
+            <a:endParaRPr b="0" lang="en-US" sz="1800" spc="-1" strike="noStrike">
+              <a:solidFill>
+                <a:srgbClr val="000000"/>
+              </a:solidFill>
+              <a:uFill>
+                <a:solidFill>
+                  <a:srgbClr val="ffffff"/>
+                </a:solidFill>
+              </a:uFill>
+              <a:latin typeface="Arial"/>
+            </a:endParaRPr>
+          </a:p>
+        </p:txBody>
+      </p:sp>
+      <p:sp>
+        <p:nvSpPr>
+          <p:cNvPr id="37" name="PlaceHolder 7"/>
+          <p:cNvSpPr>
+            <a:spLocks noGrp="1"/>
+          </p:cNvSpPr>
+          <p:nvPr>
+            <p:ph type="body"/>
+          </p:nvPr>
+        </p:nvSpPr>
+        <p:spPr>
+          <a:xfrm>
+            <a:off x="457200" y="3682080"/>
+            <a:ext cx="2649600" cy="1896840"/>
+          </a:xfrm>
+          <a:prstGeom prst="rect">
+            <a:avLst/>
+          </a:prstGeom>
+        </p:spPr>
+        <p:txBody>
+          <a:bodyPr lIns="0" rIns="0" tIns="0" bIns="0"/>
+          <a:p>
+            <a:endParaRPr b="0" lang="en-US" sz="1800" spc="-1" strike="noStrike">
+              <a:solidFill>
+                <a:srgbClr val="000000"/>
+              </a:solidFill>
+              <a:uFill>
+                <a:solidFill>
+                  <a:srgbClr val="ffffff"/>
+                </a:solidFill>
+              </a:uFill>
+              <a:latin typeface="Arial"/>
+            </a:endParaRPr>
+          </a:p>
+        </p:txBody>
+      </p:sp>
     </p:spTree>
   </p:cSld>
-  <p:clrMapOvr>
-    <a:masterClrMapping/>
-  </p:clrMapOvr>
 </p:sldLayout>
 </file>
 
 <file path=ppt/slideLayouts/slideLayout2.xml><?xml version="1.0" encoding="utf-8"?>
-<p:sldLayout xmlns:a="http://schemas.openxmlformats.org/drawingml/2006/main" xmlns:r="http://schemas.openxmlformats.org/officeDocument/2006/relationships" xmlns:p="http://schemas.openxmlformats.org/presentationml/2006/main" type="tx" preserve="1">
+<p:sldLayout xmlns:a="http://schemas.openxmlformats.org/drawingml/2006/main" xmlns:p="http://schemas.openxmlformats.org/presentationml/2006/main" xmlns:r="http://schemas.openxmlformats.org/officeDocument/2006/relationships" xmlns:p14="http://schemas.microsoft.com/office/powerpoint/2010/main" xmlns:p15="http://schemas.microsoft.com/office/powerpoint/2012/main" xmlns:mc="http://schemas.openxmlformats.org/markup-compatibility/2006" type="tx" preserve="1">
   <p:cSld name="Title Slide">
     <p:spTree>
       <p:nvGrpSpPr>
@@ -580,7 +669,7 @@
       </p:grpSpPr>
       <p:sp>
         <p:nvSpPr>
-          <p:cNvPr id="5" name="PlaceHolder 1"/>
+          <p:cNvPr id="2" name="PlaceHolder 1"/>
           <p:cNvSpPr>
             <a:spLocks noGrp="1"/>
           </p:cNvSpPr>
@@ -591,23 +680,32 @@
         <p:spPr>
           <a:xfrm>
             <a:off x="685800" y="2130480"/>
-            <a:ext cx="7772040" cy="1469880"/>
-          </a:xfrm>
-          <a:prstGeom prst="rect">
-            <a:avLst/>
-          </a:prstGeom>
-        </p:spPr>
-        <p:txBody>
-          <a:bodyPr lIns="0" tIns="0" rIns="0" bIns="0" anchor="ctr"/>
-          <a:lstStyle/>
-          <a:p>
-            <a:endParaRPr/>
-          </a:p>
-        </p:txBody>
-      </p:sp>
-      <p:sp>
-        <p:nvSpPr>
-          <p:cNvPr id="6" name="PlaceHolder 2"/>
+            <a:ext cx="7771680" cy="1469520"/>
+          </a:xfrm>
+          <a:prstGeom prst="rect">
+            <a:avLst/>
+          </a:prstGeom>
+        </p:spPr>
+        <p:txBody>
+          <a:bodyPr lIns="0" rIns="0" tIns="0" bIns="0" anchor="ctr"/>
+          <a:p>
+            <a:endParaRPr b="0" lang="en-US" sz="1800" spc="-1" strike="noStrike">
+              <a:solidFill>
+                <a:srgbClr val="000000"/>
+              </a:solidFill>
+              <a:uFill>
+                <a:solidFill>
+                  <a:srgbClr val="ffffff"/>
+                </a:solidFill>
+              </a:uFill>
+              <a:latin typeface="Arial"/>
+            </a:endParaRPr>
+          </a:p>
+        </p:txBody>
+      </p:sp>
+      <p:sp>
+        <p:nvSpPr>
+          <p:cNvPr id="3" name="PlaceHolder 2"/>
           <p:cNvSpPr>
             <a:spLocks noGrp="1"/>
           </p:cNvSpPr>
@@ -618,31 +716,37 @@
         <p:spPr>
           <a:xfrm>
             <a:off x="457200" y="1604520"/>
-            <a:ext cx="8229240" cy="3977640"/>
-          </a:xfrm>
-          <a:prstGeom prst="rect">
-            <a:avLst/>
-          </a:prstGeom>
-        </p:spPr>
-        <p:txBody>
-          <a:bodyPr lIns="0" tIns="0" rIns="0" bIns="0" anchor="ctr"/>
-          <a:lstStyle/>
+            <a:ext cx="8229240" cy="3977280"/>
+          </a:xfrm>
+          <a:prstGeom prst="rect">
+            <a:avLst/>
+          </a:prstGeom>
+        </p:spPr>
+        <p:txBody>
+          <a:bodyPr lIns="0" rIns="0" tIns="0" bIns="0" anchor="ctr"/>
           <a:p>
             <a:pPr algn="ctr"/>
-            <a:endParaRPr/>
+            <a:endParaRPr b="0" lang="en-US" sz="3200" spc="-1" strike="noStrike">
+              <a:solidFill>
+                <a:srgbClr val="000000"/>
+              </a:solidFill>
+              <a:uFill>
+                <a:solidFill>
+                  <a:srgbClr val="ffffff"/>
+                </a:solidFill>
+              </a:uFill>
+              <a:latin typeface="Arial"/>
+            </a:endParaRPr>
           </a:p>
         </p:txBody>
       </p:sp>
     </p:spTree>
   </p:cSld>
-  <p:clrMapOvr>
-    <a:masterClrMapping/>
-  </p:clrMapOvr>
 </p:sldLayout>
 </file>
 
 <file path=ppt/slideLayouts/slideLayout3.xml><?xml version="1.0" encoding="utf-8"?>
-<p:sldLayout xmlns:a="http://schemas.openxmlformats.org/drawingml/2006/main" xmlns:r="http://schemas.openxmlformats.org/officeDocument/2006/relationships" xmlns:p="http://schemas.openxmlformats.org/presentationml/2006/main" type="obj" preserve="1">
+<p:sldLayout xmlns:a="http://schemas.openxmlformats.org/drawingml/2006/main" xmlns:p="http://schemas.openxmlformats.org/presentationml/2006/main" xmlns:r="http://schemas.openxmlformats.org/officeDocument/2006/relationships" xmlns:p14="http://schemas.microsoft.com/office/powerpoint/2010/main" xmlns:p15="http://schemas.microsoft.com/office/powerpoint/2012/main" xmlns:mc="http://schemas.openxmlformats.org/markup-compatibility/2006" type="obj" preserve="1">
   <p:cSld name="Title, Content">
     <p:spTree>
       <p:nvGrpSpPr>
@@ -660,7 +764,7 @@
       </p:grpSpPr>
       <p:sp>
         <p:nvSpPr>
-          <p:cNvPr id="7" name="PlaceHolder 1"/>
+          <p:cNvPr id="4" name="PlaceHolder 1"/>
           <p:cNvSpPr>
             <a:spLocks noGrp="1"/>
           </p:cNvSpPr>
@@ -671,23 +775,32 @@
         <p:spPr>
           <a:xfrm>
             <a:off x="685800" y="2130480"/>
-            <a:ext cx="7772040" cy="1469880"/>
-          </a:xfrm>
-          <a:prstGeom prst="rect">
-            <a:avLst/>
-          </a:prstGeom>
-        </p:spPr>
-        <p:txBody>
-          <a:bodyPr lIns="0" tIns="0" rIns="0" bIns="0" anchor="ctr"/>
-          <a:lstStyle/>
-          <a:p>
-            <a:endParaRPr/>
-          </a:p>
-        </p:txBody>
-      </p:sp>
-      <p:sp>
-        <p:nvSpPr>
-          <p:cNvPr id="8" name="PlaceHolder 2"/>
+            <a:ext cx="7771680" cy="1469520"/>
+          </a:xfrm>
+          <a:prstGeom prst="rect">
+            <a:avLst/>
+          </a:prstGeom>
+        </p:spPr>
+        <p:txBody>
+          <a:bodyPr lIns="0" rIns="0" tIns="0" bIns="0" anchor="ctr"/>
+          <a:p>
+            <a:endParaRPr b="0" lang="en-US" sz="1800" spc="-1" strike="noStrike">
+              <a:solidFill>
+                <a:srgbClr val="000000"/>
+              </a:solidFill>
+              <a:uFill>
+                <a:solidFill>
+                  <a:srgbClr val="ffffff"/>
+                </a:solidFill>
+              </a:uFill>
+              <a:latin typeface="Arial"/>
+            </a:endParaRPr>
+          </a:p>
+        </p:txBody>
+      </p:sp>
+      <p:sp>
+        <p:nvSpPr>
+          <p:cNvPr id="5" name="PlaceHolder 2"/>
           <p:cNvSpPr>
             <a:spLocks noGrp="1"/>
           </p:cNvSpPr>
@@ -705,23 +818,29 @@
           </a:prstGeom>
         </p:spPr>
         <p:txBody>
-          <a:bodyPr lIns="0" tIns="0" rIns="0" bIns="0"/>
-          <a:lstStyle/>
-          <a:p>
-            <a:endParaRPr/>
+          <a:bodyPr lIns="0" rIns="0" tIns="0" bIns="0"/>
+          <a:p>
+            <a:endParaRPr b="0" lang="en-US" sz="1800" spc="-1" strike="noStrike">
+              <a:solidFill>
+                <a:srgbClr val="000000"/>
+              </a:solidFill>
+              <a:uFill>
+                <a:solidFill>
+                  <a:srgbClr val="ffffff"/>
+                </a:solidFill>
+              </a:uFill>
+              <a:latin typeface="Arial"/>
+            </a:endParaRPr>
           </a:p>
         </p:txBody>
       </p:sp>
     </p:spTree>
   </p:cSld>
-  <p:clrMapOvr>
-    <a:masterClrMapping/>
-  </p:clrMapOvr>
 </p:sldLayout>
 </file>
 
 <file path=ppt/slideLayouts/slideLayout4.xml><?xml version="1.0" encoding="utf-8"?>
-<p:sldLayout xmlns:a="http://schemas.openxmlformats.org/drawingml/2006/main" xmlns:r="http://schemas.openxmlformats.org/officeDocument/2006/relationships" xmlns:p="http://schemas.openxmlformats.org/presentationml/2006/main" type="twoObj" preserve="1">
+<p:sldLayout xmlns:a="http://schemas.openxmlformats.org/drawingml/2006/main" xmlns:p="http://schemas.openxmlformats.org/presentationml/2006/main" xmlns:r="http://schemas.openxmlformats.org/officeDocument/2006/relationships" xmlns:p14="http://schemas.microsoft.com/office/powerpoint/2010/main" xmlns:p15="http://schemas.microsoft.com/office/powerpoint/2012/main" xmlns:mc="http://schemas.openxmlformats.org/markup-compatibility/2006" type="twoObj" preserve="1">
   <p:cSld name="Title, 2 Content">
     <p:spTree>
       <p:nvGrpSpPr>
@@ -739,7 +858,7 @@
       </p:grpSpPr>
       <p:sp>
         <p:nvSpPr>
-          <p:cNvPr id="9" name="PlaceHolder 1"/>
+          <p:cNvPr id="6" name="PlaceHolder 1"/>
           <p:cNvSpPr>
             <a:spLocks noGrp="1"/>
           </p:cNvSpPr>
@@ -750,23 +869,32 @@
         <p:spPr>
           <a:xfrm>
             <a:off x="685800" y="2130480"/>
-            <a:ext cx="7772040" cy="1469880"/>
-          </a:xfrm>
-          <a:prstGeom prst="rect">
-            <a:avLst/>
-          </a:prstGeom>
-        </p:spPr>
-        <p:txBody>
-          <a:bodyPr lIns="0" tIns="0" rIns="0" bIns="0" anchor="ctr"/>
-          <a:lstStyle/>
-          <a:p>
-            <a:endParaRPr/>
-          </a:p>
-        </p:txBody>
-      </p:sp>
-      <p:sp>
-        <p:nvSpPr>
-          <p:cNvPr id="10" name="PlaceHolder 2"/>
+            <a:ext cx="7771680" cy="1469520"/>
+          </a:xfrm>
+          <a:prstGeom prst="rect">
+            <a:avLst/>
+          </a:prstGeom>
+        </p:spPr>
+        <p:txBody>
+          <a:bodyPr lIns="0" rIns="0" tIns="0" bIns="0" anchor="ctr"/>
+          <a:p>
+            <a:endParaRPr b="0" lang="en-US" sz="1800" spc="-1" strike="noStrike">
+              <a:solidFill>
+                <a:srgbClr val="000000"/>
+              </a:solidFill>
+              <a:uFill>
+                <a:solidFill>
+                  <a:srgbClr val="ffffff"/>
+                </a:solidFill>
+              </a:uFill>
+              <a:latin typeface="Arial"/>
+            </a:endParaRPr>
+          </a:p>
+        </p:txBody>
+      </p:sp>
+      <p:sp>
+        <p:nvSpPr>
+          <p:cNvPr id="7" name="PlaceHolder 2"/>
           <p:cNvSpPr>
             <a:spLocks noGrp="1"/>
           </p:cNvSpPr>
@@ -784,16 +912,25 @@
           </a:prstGeom>
         </p:spPr>
         <p:txBody>
-          <a:bodyPr lIns="0" tIns="0" rIns="0" bIns="0"/>
-          <a:lstStyle/>
-          <a:p>
-            <a:endParaRPr/>
-          </a:p>
-        </p:txBody>
-      </p:sp>
-      <p:sp>
-        <p:nvSpPr>
-          <p:cNvPr id="11" name="PlaceHolder 3"/>
+          <a:bodyPr lIns="0" rIns="0" tIns="0" bIns="0"/>
+          <a:p>
+            <a:endParaRPr b="0" lang="en-US" sz="1800" spc="-1" strike="noStrike">
+              <a:solidFill>
+                <a:srgbClr val="000000"/>
+              </a:solidFill>
+              <a:uFill>
+                <a:solidFill>
+                  <a:srgbClr val="ffffff"/>
+                </a:solidFill>
+              </a:uFill>
+              <a:latin typeface="Arial"/>
+            </a:endParaRPr>
+          </a:p>
+        </p:txBody>
+      </p:sp>
+      <p:sp>
+        <p:nvSpPr>
+          <p:cNvPr id="8" name="PlaceHolder 3"/>
           <p:cNvSpPr>
             <a:spLocks noGrp="1"/>
           </p:cNvSpPr>
@@ -811,23 +948,29 @@
           </a:prstGeom>
         </p:spPr>
         <p:txBody>
-          <a:bodyPr lIns="0" tIns="0" rIns="0" bIns="0"/>
-          <a:lstStyle/>
-          <a:p>
-            <a:endParaRPr/>
+          <a:bodyPr lIns="0" rIns="0" tIns="0" bIns="0"/>
+          <a:p>
+            <a:endParaRPr b="0" lang="en-US" sz="1800" spc="-1" strike="noStrike">
+              <a:solidFill>
+                <a:srgbClr val="000000"/>
+              </a:solidFill>
+              <a:uFill>
+                <a:solidFill>
+                  <a:srgbClr val="ffffff"/>
+                </a:solidFill>
+              </a:uFill>
+              <a:latin typeface="Arial"/>
+            </a:endParaRPr>
           </a:p>
         </p:txBody>
       </p:sp>
     </p:spTree>
   </p:cSld>
-  <p:clrMapOvr>
-    <a:masterClrMapping/>
-  </p:clrMapOvr>
 </p:sldLayout>
 </file>
 
 <file path=ppt/slideLayouts/slideLayout5.xml><?xml version="1.0" encoding="utf-8"?>
-<p:sldLayout xmlns:a="http://schemas.openxmlformats.org/drawingml/2006/main" xmlns:r="http://schemas.openxmlformats.org/officeDocument/2006/relationships" xmlns:p="http://schemas.openxmlformats.org/presentationml/2006/main" type="titleOnly" preserve="1">
+<p:sldLayout xmlns:a="http://schemas.openxmlformats.org/drawingml/2006/main" xmlns:p="http://schemas.openxmlformats.org/presentationml/2006/main" xmlns:r="http://schemas.openxmlformats.org/officeDocument/2006/relationships" xmlns:p14="http://schemas.microsoft.com/office/powerpoint/2010/main" xmlns:p15="http://schemas.microsoft.com/office/powerpoint/2012/main" xmlns:mc="http://schemas.openxmlformats.org/markup-compatibility/2006" type="titleOnly" preserve="1">
   <p:cSld name="Title Only">
     <p:spTree>
       <p:nvGrpSpPr>
@@ -845,7 +988,7 @@
       </p:grpSpPr>
       <p:sp>
         <p:nvSpPr>
-          <p:cNvPr id="12" name="PlaceHolder 1"/>
+          <p:cNvPr id="9" name="PlaceHolder 1"/>
           <p:cNvSpPr>
             <a:spLocks noGrp="1"/>
           </p:cNvSpPr>
@@ -856,30 +999,36 @@
         <p:spPr>
           <a:xfrm>
             <a:off x="685800" y="2130480"/>
-            <a:ext cx="7772040" cy="1469880"/>
-          </a:xfrm>
-          <a:prstGeom prst="rect">
-            <a:avLst/>
-          </a:prstGeom>
-        </p:spPr>
-        <p:txBody>
-          <a:bodyPr lIns="0" tIns="0" rIns="0" bIns="0" anchor="ctr"/>
-          <a:lstStyle/>
-          <a:p>
-            <a:endParaRPr/>
+            <a:ext cx="7771680" cy="1469520"/>
+          </a:xfrm>
+          <a:prstGeom prst="rect">
+            <a:avLst/>
+          </a:prstGeom>
+        </p:spPr>
+        <p:txBody>
+          <a:bodyPr lIns="0" rIns="0" tIns="0" bIns="0" anchor="ctr"/>
+          <a:p>
+            <a:endParaRPr b="0" lang="en-US" sz="1800" spc="-1" strike="noStrike">
+              <a:solidFill>
+                <a:srgbClr val="000000"/>
+              </a:solidFill>
+              <a:uFill>
+                <a:solidFill>
+                  <a:srgbClr val="ffffff"/>
+                </a:solidFill>
+              </a:uFill>
+              <a:latin typeface="Arial"/>
+            </a:endParaRPr>
           </a:p>
         </p:txBody>
       </p:sp>
     </p:spTree>
   </p:cSld>
-  <p:clrMapOvr>
-    <a:masterClrMapping/>
-  </p:clrMapOvr>
 </p:sldLayout>
 </file>
 
 <file path=ppt/slideLayouts/slideLayout6.xml><?xml version="1.0" encoding="utf-8"?>
-<p:sldLayout xmlns:a="http://schemas.openxmlformats.org/drawingml/2006/main" xmlns:r="http://schemas.openxmlformats.org/officeDocument/2006/relationships" xmlns:p="http://schemas.openxmlformats.org/presentationml/2006/main" type="objOnly" preserve="1">
+<p:sldLayout xmlns:a="http://schemas.openxmlformats.org/drawingml/2006/main" xmlns:p="http://schemas.openxmlformats.org/presentationml/2006/main" xmlns:r="http://schemas.openxmlformats.org/officeDocument/2006/relationships" xmlns:p14="http://schemas.microsoft.com/office/powerpoint/2010/main" xmlns:p15="http://schemas.microsoft.com/office/powerpoint/2012/main" xmlns:mc="http://schemas.openxmlformats.org/markup-compatibility/2006" type="objOnly" preserve="1">
   <p:cSld name="Centered Text">
     <p:spTree>
       <p:nvGrpSpPr>
@@ -897,7 +1046,7 @@
       </p:grpSpPr>
       <p:sp>
         <p:nvSpPr>
-          <p:cNvPr id="13" name="PlaceHolder 1"/>
+          <p:cNvPr id="10" name="PlaceHolder 1"/>
           <p:cNvSpPr>
             <a:spLocks noGrp="1"/>
           </p:cNvSpPr>
@@ -908,31 +1057,37 @@
         <p:spPr>
           <a:xfrm>
             <a:off x="685800" y="2130480"/>
-            <a:ext cx="7772040" cy="6813360"/>
-          </a:xfrm>
-          <a:prstGeom prst="rect">
-            <a:avLst/>
-          </a:prstGeom>
-        </p:spPr>
-        <p:txBody>
-          <a:bodyPr lIns="0" tIns="0" rIns="0" bIns="0" anchor="ctr"/>
-          <a:lstStyle/>
+            <a:ext cx="7771680" cy="6813000"/>
+          </a:xfrm>
+          <a:prstGeom prst="rect">
+            <a:avLst/>
+          </a:prstGeom>
+        </p:spPr>
+        <p:txBody>
+          <a:bodyPr lIns="0" rIns="0" tIns="0" bIns="0" anchor="ctr"/>
           <a:p>
             <a:pPr algn="ctr"/>
-            <a:endParaRPr/>
+            <a:endParaRPr b="0" lang="en-US" sz="3200" spc="-1" strike="noStrike">
+              <a:solidFill>
+                <a:srgbClr val="000000"/>
+              </a:solidFill>
+              <a:uFill>
+                <a:solidFill>
+                  <a:srgbClr val="ffffff"/>
+                </a:solidFill>
+              </a:uFill>
+              <a:latin typeface="Arial"/>
+            </a:endParaRPr>
           </a:p>
         </p:txBody>
       </p:sp>
     </p:spTree>
   </p:cSld>
-  <p:clrMapOvr>
-    <a:masterClrMapping/>
-  </p:clrMapOvr>
 </p:sldLayout>
 </file>
 
 <file path=ppt/slideLayouts/slideLayout7.xml><?xml version="1.0" encoding="utf-8"?>
-<p:sldLayout xmlns:a="http://schemas.openxmlformats.org/drawingml/2006/main" xmlns:r="http://schemas.openxmlformats.org/officeDocument/2006/relationships" xmlns:p="http://schemas.openxmlformats.org/presentationml/2006/main" type="twoObjAndObj" preserve="1">
+<p:sldLayout xmlns:a="http://schemas.openxmlformats.org/drawingml/2006/main" xmlns:p="http://schemas.openxmlformats.org/presentationml/2006/main" xmlns:r="http://schemas.openxmlformats.org/officeDocument/2006/relationships" xmlns:p14="http://schemas.microsoft.com/office/powerpoint/2010/main" xmlns:p15="http://schemas.microsoft.com/office/powerpoint/2012/main" xmlns:mc="http://schemas.openxmlformats.org/markup-compatibility/2006" type="twoObjAndObj" preserve="1">
   <p:cSld name="Title, 2 Content and Content">
     <p:spTree>
       <p:nvGrpSpPr>
@@ -950,7 +1105,7 @@
       </p:grpSpPr>
       <p:sp>
         <p:nvSpPr>
-          <p:cNvPr id="14" name="PlaceHolder 1"/>
+          <p:cNvPr id="11" name="PlaceHolder 1"/>
           <p:cNvSpPr>
             <a:spLocks noGrp="1"/>
           </p:cNvSpPr>
@@ -961,23 +1116,32 @@
         <p:spPr>
           <a:xfrm>
             <a:off x="685800" y="2130480"/>
-            <a:ext cx="7772040" cy="1469880"/>
-          </a:xfrm>
-          <a:prstGeom prst="rect">
-            <a:avLst/>
-          </a:prstGeom>
-        </p:spPr>
-        <p:txBody>
-          <a:bodyPr lIns="0" tIns="0" rIns="0" bIns="0" anchor="ctr"/>
-          <a:lstStyle/>
-          <a:p>
-            <a:endParaRPr/>
-          </a:p>
-        </p:txBody>
-      </p:sp>
-      <p:sp>
-        <p:nvSpPr>
-          <p:cNvPr id="15" name="PlaceHolder 2"/>
+            <a:ext cx="7771680" cy="1469520"/>
+          </a:xfrm>
+          <a:prstGeom prst="rect">
+            <a:avLst/>
+          </a:prstGeom>
+        </p:spPr>
+        <p:txBody>
+          <a:bodyPr lIns="0" rIns="0" tIns="0" bIns="0" anchor="ctr"/>
+          <a:p>
+            <a:endParaRPr b="0" lang="en-US" sz="1800" spc="-1" strike="noStrike">
+              <a:solidFill>
+                <a:srgbClr val="000000"/>
+              </a:solidFill>
+              <a:uFill>
+                <a:solidFill>
+                  <a:srgbClr val="ffffff"/>
+                </a:solidFill>
+              </a:uFill>
+              <a:latin typeface="Arial"/>
+            </a:endParaRPr>
+          </a:p>
+        </p:txBody>
+      </p:sp>
+      <p:sp>
+        <p:nvSpPr>
+          <p:cNvPr id="12" name="PlaceHolder 2"/>
           <p:cNvSpPr>
             <a:spLocks noGrp="1"/>
           </p:cNvSpPr>
@@ -995,16 +1159,25 @@
           </a:prstGeom>
         </p:spPr>
         <p:txBody>
-          <a:bodyPr lIns="0" tIns="0" rIns="0" bIns="0"/>
-          <a:lstStyle/>
-          <a:p>
-            <a:endParaRPr/>
-          </a:p>
-        </p:txBody>
-      </p:sp>
-      <p:sp>
-        <p:nvSpPr>
-          <p:cNvPr id="16" name="PlaceHolder 3"/>
+          <a:bodyPr lIns="0" rIns="0" tIns="0" bIns="0"/>
+          <a:p>
+            <a:endParaRPr b="0" lang="en-US" sz="1800" spc="-1" strike="noStrike">
+              <a:solidFill>
+                <a:srgbClr val="000000"/>
+              </a:solidFill>
+              <a:uFill>
+                <a:solidFill>
+                  <a:srgbClr val="ffffff"/>
+                </a:solidFill>
+              </a:uFill>
+              <a:latin typeface="Arial"/>
+            </a:endParaRPr>
+          </a:p>
+        </p:txBody>
+      </p:sp>
+      <p:sp>
+        <p:nvSpPr>
+          <p:cNvPr id="13" name="PlaceHolder 3"/>
           <p:cNvSpPr>
             <a:spLocks noGrp="1"/>
           </p:cNvSpPr>
@@ -1022,16 +1195,25 @@
           </a:prstGeom>
         </p:spPr>
         <p:txBody>
-          <a:bodyPr lIns="0" tIns="0" rIns="0" bIns="0"/>
-          <a:lstStyle/>
-          <a:p>
-            <a:endParaRPr/>
-          </a:p>
-        </p:txBody>
-      </p:sp>
-      <p:sp>
-        <p:nvSpPr>
-          <p:cNvPr id="17" name="PlaceHolder 4"/>
+          <a:bodyPr lIns="0" rIns="0" tIns="0" bIns="0"/>
+          <a:p>
+            <a:endParaRPr b="0" lang="en-US" sz="1800" spc="-1" strike="noStrike">
+              <a:solidFill>
+                <a:srgbClr val="000000"/>
+              </a:solidFill>
+              <a:uFill>
+                <a:solidFill>
+                  <a:srgbClr val="ffffff"/>
+                </a:solidFill>
+              </a:uFill>
+              <a:latin typeface="Arial"/>
+            </a:endParaRPr>
+          </a:p>
+        </p:txBody>
+      </p:sp>
+      <p:sp>
+        <p:nvSpPr>
+          <p:cNvPr id="14" name="PlaceHolder 4"/>
           <p:cNvSpPr>
             <a:spLocks noGrp="1"/>
           </p:cNvSpPr>
@@ -1049,23 +1231,29 @@
           </a:prstGeom>
         </p:spPr>
         <p:txBody>
-          <a:bodyPr lIns="0" tIns="0" rIns="0" bIns="0"/>
-          <a:lstStyle/>
-          <a:p>
-            <a:endParaRPr/>
+          <a:bodyPr lIns="0" rIns="0" tIns="0" bIns="0"/>
+          <a:p>
+            <a:endParaRPr b="0" lang="en-US" sz="1800" spc="-1" strike="noStrike">
+              <a:solidFill>
+                <a:srgbClr val="000000"/>
+              </a:solidFill>
+              <a:uFill>
+                <a:solidFill>
+                  <a:srgbClr val="ffffff"/>
+                </a:solidFill>
+              </a:uFill>
+              <a:latin typeface="Arial"/>
+            </a:endParaRPr>
           </a:p>
         </p:txBody>
       </p:sp>
     </p:spTree>
   </p:cSld>
-  <p:clrMapOvr>
-    <a:masterClrMapping/>
-  </p:clrMapOvr>
 </p:sldLayout>
 </file>
 
 <file path=ppt/slideLayouts/slideLayout8.xml><?xml version="1.0" encoding="utf-8"?>
-<p:sldLayout xmlns:a="http://schemas.openxmlformats.org/drawingml/2006/main" xmlns:r="http://schemas.openxmlformats.org/officeDocument/2006/relationships" xmlns:p="http://schemas.openxmlformats.org/presentationml/2006/main" type="objAndTwoObj" preserve="1">
+<p:sldLayout xmlns:a="http://schemas.openxmlformats.org/drawingml/2006/main" xmlns:p="http://schemas.openxmlformats.org/presentationml/2006/main" xmlns:r="http://schemas.openxmlformats.org/officeDocument/2006/relationships" xmlns:p14="http://schemas.microsoft.com/office/powerpoint/2010/main" xmlns:p15="http://schemas.microsoft.com/office/powerpoint/2012/main" xmlns:mc="http://schemas.openxmlformats.org/markup-compatibility/2006" type="objAndTwoObj" preserve="1">
   <p:cSld name="Title Content and 2 Content">
     <p:spTree>
       <p:nvGrpSpPr>
@@ -1083,7 +1271,7 @@
       </p:grpSpPr>
       <p:sp>
         <p:nvSpPr>
-          <p:cNvPr id="18" name="PlaceHolder 1"/>
+          <p:cNvPr id="15" name="PlaceHolder 1"/>
           <p:cNvSpPr>
             <a:spLocks noGrp="1"/>
           </p:cNvSpPr>
@@ -1094,23 +1282,32 @@
         <p:spPr>
           <a:xfrm>
             <a:off x="685800" y="2130480"/>
-            <a:ext cx="7772040" cy="1469880"/>
-          </a:xfrm>
-          <a:prstGeom prst="rect">
-            <a:avLst/>
-          </a:prstGeom>
-        </p:spPr>
-        <p:txBody>
-          <a:bodyPr lIns="0" tIns="0" rIns="0" bIns="0" anchor="ctr"/>
-          <a:lstStyle/>
-          <a:p>
-            <a:endParaRPr/>
-          </a:p>
-        </p:txBody>
-      </p:sp>
-      <p:sp>
-        <p:nvSpPr>
-          <p:cNvPr id="19" name="PlaceHolder 2"/>
+            <a:ext cx="7771680" cy="1469520"/>
+          </a:xfrm>
+          <a:prstGeom prst="rect">
+            <a:avLst/>
+          </a:prstGeom>
+        </p:spPr>
+        <p:txBody>
+          <a:bodyPr lIns="0" rIns="0" tIns="0" bIns="0" anchor="ctr"/>
+          <a:p>
+            <a:endParaRPr b="0" lang="en-US" sz="1800" spc="-1" strike="noStrike">
+              <a:solidFill>
+                <a:srgbClr val="000000"/>
+              </a:solidFill>
+              <a:uFill>
+                <a:solidFill>
+                  <a:srgbClr val="ffffff"/>
+                </a:solidFill>
+              </a:uFill>
+              <a:latin typeface="Arial"/>
+            </a:endParaRPr>
+          </a:p>
+        </p:txBody>
+      </p:sp>
+      <p:sp>
+        <p:nvSpPr>
+          <p:cNvPr id="16" name="PlaceHolder 2"/>
           <p:cNvSpPr>
             <a:spLocks noGrp="1"/>
           </p:cNvSpPr>
@@ -1128,16 +1325,25 @@
           </a:prstGeom>
         </p:spPr>
         <p:txBody>
-          <a:bodyPr lIns="0" tIns="0" rIns="0" bIns="0"/>
-          <a:lstStyle/>
-          <a:p>
-            <a:endParaRPr/>
-          </a:p>
-        </p:txBody>
-      </p:sp>
-      <p:sp>
-        <p:nvSpPr>
-          <p:cNvPr id="20" name="PlaceHolder 3"/>
+          <a:bodyPr lIns="0" rIns="0" tIns="0" bIns="0"/>
+          <a:p>
+            <a:endParaRPr b="0" lang="en-US" sz="1800" spc="-1" strike="noStrike">
+              <a:solidFill>
+                <a:srgbClr val="000000"/>
+              </a:solidFill>
+              <a:uFill>
+                <a:solidFill>
+                  <a:srgbClr val="ffffff"/>
+                </a:solidFill>
+              </a:uFill>
+              <a:latin typeface="Arial"/>
+            </a:endParaRPr>
+          </a:p>
+        </p:txBody>
+      </p:sp>
+      <p:sp>
+        <p:nvSpPr>
+          <p:cNvPr id="17" name="PlaceHolder 3"/>
           <p:cNvSpPr>
             <a:spLocks noGrp="1"/>
           </p:cNvSpPr>
@@ -1155,16 +1361,25 @@
           </a:prstGeom>
         </p:spPr>
         <p:txBody>
-          <a:bodyPr lIns="0" tIns="0" rIns="0" bIns="0"/>
-          <a:lstStyle/>
-          <a:p>
-            <a:endParaRPr/>
-          </a:p>
-        </p:txBody>
-      </p:sp>
-      <p:sp>
-        <p:nvSpPr>
-          <p:cNvPr id="21" name="PlaceHolder 4"/>
+          <a:bodyPr lIns="0" rIns="0" tIns="0" bIns="0"/>
+          <a:p>
+            <a:endParaRPr b="0" lang="en-US" sz="1800" spc="-1" strike="noStrike">
+              <a:solidFill>
+                <a:srgbClr val="000000"/>
+              </a:solidFill>
+              <a:uFill>
+                <a:solidFill>
+                  <a:srgbClr val="ffffff"/>
+                </a:solidFill>
+              </a:uFill>
+              <a:latin typeface="Arial"/>
+            </a:endParaRPr>
+          </a:p>
+        </p:txBody>
+      </p:sp>
+      <p:sp>
+        <p:nvSpPr>
+          <p:cNvPr id="18" name="PlaceHolder 4"/>
           <p:cNvSpPr>
             <a:spLocks noGrp="1"/>
           </p:cNvSpPr>
@@ -1182,23 +1397,29 @@
           </a:prstGeom>
         </p:spPr>
         <p:txBody>
-          <a:bodyPr lIns="0" tIns="0" rIns="0" bIns="0"/>
-          <a:lstStyle/>
-          <a:p>
-            <a:endParaRPr/>
+          <a:bodyPr lIns="0" rIns="0" tIns="0" bIns="0"/>
+          <a:p>
+            <a:endParaRPr b="0" lang="en-US" sz="1800" spc="-1" strike="noStrike">
+              <a:solidFill>
+                <a:srgbClr val="000000"/>
+              </a:solidFill>
+              <a:uFill>
+                <a:solidFill>
+                  <a:srgbClr val="ffffff"/>
+                </a:solidFill>
+              </a:uFill>
+              <a:latin typeface="Arial"/>
+            </a:endParaRPr>
           </a:p>
         </p:txBody>
       </p:sp>
     </p:spTree>
   </p:cSld>
-  <p:clrMapOvr>
-    <a:masterClrMapping/>
-  </p:clrMapOvr>
 </p:sldLayout>
 </file>
 
 <file path=ppt/slideLayouts/slideLayout9.xml><?xml version="1.0" encoding="utf-8"?>
-<p:sldLayout xmlns:a="http://schemas.openxmlformats.org/drawingml/2006/main" xmlns:r="http://schemas.openxmlformats.org/officeDocument/2006/relationships" xmlns:p="http://schemas.openxmlformats.org/presentationml/2006/main" type="twoObjOverTx" preserve="1">
+<p:sldLayout xmlns:a="http://schemas.openxmlformats.org/drawingml/2006/main" xmlns:p="http://schemas.openxmlformats.org/presentationml/2006/main" xmlns:r="http://schemas.openxmlformats.org/officeDocument/2006/relationships" xmlns:p14="http://schemas.microsoft.com/office/powerpoint/2010/main" xmlns:p15="http://schemas.microsoft.com/office/powerpoint/2012/main" xmlns:mc="http://schemas.openxmlformats.org/markup-compatibility/2006" type="twoObjOverTx" preserve="1">
   <p:cSld name="Title, 2 Content over Content">
     <p:spTree>
       <p:nvGrpSpPr>
@@ -1216,7 +1437,7 @@
       </p:grpSpPr>
       <p:sp>
         <p:nvSpPr>
-          <p:cNvPr id="22" name="PlaceHolder 1"/>
+          <p:cNvPr id="19" name="PlaceHolder 1"/>
           <p:cNvSpPr>
             <a:spLocks noGrp="1"/>
           </p:cNvSpPr>
@@ -1227,23 +1448,32 @@
         <p:spPr>
           <a:xfrm>
             <a:off x="685800" y="2130480"/>
-            <a:ext cx="7772040" cy="1469880"/>
-          </a:xfrm>
-          <a:prstGeom prst="rect">
-            <a:avLst/>
-          </a:prstGeom>
-        </p:spPr>
-        <p:txBody>
-          <a:bodyPr lIns="0" tIns="0" rIns="0" bIns="0" anchor="ctr"/>
-          <a:lstStyle/>
-          <a:p>
-            <a:endParaRPr/>
-          </a:p>
-        </p:txBody>
-      </p:sp>
-      <p:sp>
-        <p:nvSpPr>
-          <p:cNvPr id="23" name="PlaceHolder 2"/>
+            <a:ext cx="7771680" cy="1469520"/>
+          </a:xfrm>
+          <a:prstGeom prst="rect">
+            <a:avLst/>
+          </a:prstGeom>
+        </p:spPr>
+        <p:txBody>
+          <a:bodyPr lIns="0" rIns="0" tIns="0" bIns="0" anchor="ctr"/>
+          <a:p>
+            <a:endParaRPr b="0" lang="en-US" sz="1800" spc="-1" strike="noStrike">
+              <a:solidFill>
+                <a:srgbClr val="000000"/>
+              </a:solidFill>
+              <a:uFill>
+                <a:solidFill>
+                  <a:srgbClr val="ffffff"/>
+                </a:solidFill>
+              </a:uFill>
+              <a:latin typeface="Arial"/>
+            </a:endParaRPr>
+          </a:p>
+        </p:txBody>
+      </p:sp>
+      <p:sp>
+        <p:nvSpPr>
+          <p:cNvPr id="20" name="PlaceHolder 2"/>
           <p:cNvSpPr>
             <a:spLocks noGrp="1"/>
           </p:cNvSpPr>
@@ -1261,16 +1491,25 @@
           </a:prstGeom>
         </p:spPr>
         <p:txBody>
-          <a:bodyPr lIns="0" tIns="0" rIns="0" bIns="0"/>
-          <a:lstStyle/>
-          <a:p>
-            <a:endParaRPr/>
-          </a:p>
-        </p:txBody>
-      </p:sp>
-      <p:sp>
-        <p:nvSpPr>
-          <p:cNvPr id="24" name="PlaceHolder 3"/>
+          <a:bodyPr lIns="0" rIns="0" tIns="0" bIns="0"/>
+          <a:p>
+            <a:endParaRPr b="0" lang="en-US" sz="1800" spc="-1" strike="noStrike">
+              <a:solidFill>
+                <a:srgbClr val="000000"/>
+              </a:solidFill>
+              <a:uFill>
+                <a:solidFill>
+                  <a:srgbClr val="ffffff"/>
+                </a:solidFill>
+              </a:uFill>
+              <a:latin typeface="Arial"/>
+            </a:endParaRPr>
+          </a:p>
+        </p:txBody>
+      </p:sp>
+      <p:sp>
+        <p:nvSpPr>
+          <p:cNvPr id="21" name="PlaceHolder 3"/>
           <p:cNvSpPr>
             <a:spLocks noGrp="1"/>
           </p:cNvSpPr>
@@ -1288,16 +1527,25 @@
           </a:prstGeom>
         </p:spPr>
         <p:txBody>
-          <a:bodyPr lIns="0" tIns="0" rIns="0" bIns="0"/>
-          <a:lstStyle/>
-          <a:p>
-            <a:endParaRPr/>
-          </a:p>
-        </p:txBody>
-      </p:sp>
-      <p:sp>
-        <p:nvSpPr>
-          <p:cNvPr id="25" name="PlaceHolder 4"/>
+          <a:bodyPr lIns="0" rIns="0" tIns="0" bIns="0"/>
+          <a:p>
+            <a:endParaRPr b="0" lang="en-US" sz="1800" spc="-1" strike="noStrike">
+              <a:solidFill>
+                <a:srgbClr val="000000"/>
+              </a:solidFill>
+              <a:uFill>
+                <a:solidFill>
+                  <a:srgbClr val="ffffff"/>
+                </a:solidFill>
+              </a:uFill>
+              <a:latin typeface="Arial"/>
+            </a:endParaRPr>
+          </a:p>
+        </p:txBody>
+      </p:sp>
+      <p:sp>
+        <p:nvSpPr>
+          <p:cNvPr id="22" name="PlaceHolder 4"/>
           <p:cNvSpPr>
             <a:spLocks noGrp="1"/>
           </p:cNvSpPr>
@@ -1315,30 +1563,35 @@
           </a:prstGeom>
         </p:spPr>
         <p:txBody>
-          <a:bodyPr lIns="0" tIns="0" rIns="0" bIns="0"/>
-          <a:lstStyle/>
-          <a:p>
-            <a:endParaRPr/>
+          <a:bodyPr lIns="0" rIns="0" tIns="0" bIns="0"/>
+          <a:p>
+            <a:endParaRPr b="0" lang="en-US" sz="1800" spc="-1" strike="noStrike">
+              <a:solidFill>
+                <a:srgbClr val="000000"/>
+              </a:solidFill>
+              <a:uFill>
+                <a:solidFill>
+                  <a:srgbClr val="ffffff"/>
+                </a:solidFill>
+              </a:uFill>
+              <a:latin typeface="Arial"/>
+            </a:endParaRPr>
           </a:p>
         </p:txBody>
       </p:sp>
     </p:spTree>
   </p:cSld>
-  <p:clrMapOvr>
-    <a:masterClrMapping/>
-  </p:clrMapOvr>
 </p:sldLayout>
 </file>
 
 <file path=ppt/slideMasters/slideMaster1.xml><?xml version="1.0" encoding="utf-8"?>
-<p:sldMaster xmlns:a="http://schemas.openxmlformats.org/drawingml/2006/main" xmlns:r="http://schemas.openxmlformats.org/officeDocument/2006/relationships" xmlns:p="http://schemas.openxmlformats.org/presentationml/2006/main">
+<p:sldMaster xmlns:a="http://schemas.openxmlformats.org/drawingml/2006/main" xmlns:p="http://schemas.openxmlformats.org/presentationml/2006/main" xmlns:r="http://schemas.openxmlformats.org/officeDocument/2006/relationships" xmlns:p14="http://schemas.microsoft.com/office/powerpoint/2010/main" xmlns:p15="http://schemas.microsoft.com/office/powerpoint/2012/main" xmlns:mc="http://schemas.openxmlformats.org/markup-compatibility/2006">
   <p:cSld>
     <p:bg>
       <p:bgPr>
         <a:solidFill>
-          <a:srgbClr val="FFFFFF"/>
+          <a:srgbClr val="ffffff"/>
         </a:solidFill>
-        <a:effectLst/>
       </p:bgPr>
     </p:bg>
     <p:spTree>
@@ -1357,7 +1610,7 @@
       </p:grpSpPr>
       <p:sp>
         <p:nvSpPr>
-          <p:cNvPr id="5" name="PlaceHolder 1"/>
+          <p:cNvPr id="0" name="PlaceHolder 1"/>
           <p:cNvSpPr>
             <a:spLocks noGrp="1"/>
           </p:cNvSpPr>
@@ -1368,146 +1621,46 @@
         <p:spPr>
           <a:xfrm>
             <a:off x="685800" y="2130480"/>
-            <a:ext cx="7772040" cy="1469520"/>
-          </a:xfrm>
-          <a:prstGeom prst="rect">
-            <a:avLst/>
-          </a:prstGeom>
-        </p:spPr>
-        <p:txBody>
-          <a:bodyPr anchor="ctr"/>
-          <a:lstStyle/>
-          <a:p>
-            <a:pPr algn="ctr">
-              <a:lnSpc>
-                <a:spcPct val="100000"/>
-              </a:lnSpc>
-            </a:pPr>
+            <a:ext cx="7771680" cy="1469520"/>
+          </a:xfrm>
+          <a:prstGeom prst="rect">
+            <a:avLst/>
+          </a:prstGeom>
+        </p:spPr>
+        <p:txBody>
+          <a:bodyPr lIns="0" rIns="0" tIns="0" bIns="0" anchor="ctr"/>
+          <a:p>
             <a:r>
-              <a:rPr lang="en-US" sz="4400">
+              <a:rPr b="0" lang="en-US" sz="1800" spc="-1" strike="noStrike">
                 <a:solidFill>
                   <a:srgbClr val="000000"/>
                 </a:solidFill>
-                <a:latin typeface="Calibri"/>
+                <a:uFill>
+                  <a:solidFill>
+                    <a:srgbClr val="ffffff"/>
+                  </a:solidFill>
+                </a:uFill>
+                <a:latin typeface="Arial"/>
               </a:rPr>
-              <a:t>Click to edit the title text formatClick to edit Master title style</a:t>
+              <a:t>Click to edit the title text format</a:t>
             </a:r>
-            <a:endParaRPr/>
-          </a:p>
-        </p:txBody>
-      </p:sp>
-      <p:sp>
-        <p:nvSpPr>
-          <p:cNvPr id="6" name="PlaceHolder 2"/>
-          <p:cNvSpPr>
-            <a:spLocks noGrp="1"/>
-          </p:cNvSpPr>
-          <p:nvPr>
-            <p:ph type="dt"/>
-          </p:nvPr>
-        </p:nvSpPr>
-        <p:spPr>
-          <a:xfrm>
-            <a:off x="457200" y="6356520"/>
-            <a:ext cx="2133360" cy="364680"/>
-          </a:xfrm>
-          <a:prstGeom prst="rect">
-            <a:avLst/>
-          </a:prstGeom>
-        </p:spPr>
-        <p:txBody>
-          <a:bodyPr anchor="ctr"/>
-          <a:lstStyle/>
-          <a:p>
-            <a:pPr>
-              <a:lnSpc>
-                <a:spcPct val="100000"/>
-              </a:lnSpc>
-            </a:pPr>
-            <a:r>
-              <a:rPr lang="en-US" sz="1200">
-                <a:solidFill>
-                  <a:srgbClr val="8B8B8B"/>
-                </a:solidFill>
-                <a:latin typeface="Calibri"/>
-              </a:rPr>
-              <a:t>2/1/15</a:t>
-            </a:r>
-            <a:endParaRPr/>
-          </a:p>
-        </p:txBody>
-      </p:sp>
-      <p:sp>
-        <p:nvSpPr>
-          <p:cNvPr id="2" name="PlaceHolder 3"/>
-          <p:cNvSpPr>
-            <a:spLocks noGrp="1"/>
-          </p:cNvSpPr>
-          <p:nvPr>
-            <p:ph type="ftr"/>
-          </p:nvPr>
-        </p:nvSpPr>
-        <p:spPr>
-          <a:xfrm>
-            <a:off x="3124080" y="6356520"/>
-            <a:ext cx="2895120" cy="364680"/>
-          </a:xfrm>
-          <a:prstGeom prst="rect">
-            <a:avLst/>
-          </a:prstGeom>
-        </p:spPr>
-        <p:txBody>
-          <a:bodyPr anchor="ctr"/>
-          <a:lstStyle/>
-          <a:p>
-            <a:endParaRPr/>
-          </a:p>
-        </p:txBody>
-      </p:sp>
-      <p:sp>
-        <p:nvSpPr>
-          <p:cNvPr id="3" name="PlaceHolder 4"/>
-          <p:cNvSpPr>
-            <a:spLocks noGrp="1"/>
-          </p:cNvSpPr>
-          <p:nvPr>
-            <p:ph type="sldNum"/>
-          </p:nvPr>
-        </p:nvSpPr>
-        <p:spPr>
-          <a:xfrm>
-            <a:off x="6553080" y="6356520"/>
-            <a:ext cx="2133360" cy="364680"/>
-          </a:xfrm>
-          <a:prstGeom prst="rect">
-            <a:avLst/>
-          </a:prstGeom>
-        </p:spPr>
-        <p:txBody>
-          <a:bodyPr anchor="ctr"/>
-          <a:lstStyle/>
-          <a:p>
-            <a:pPr algn="r">
-              <a:lnSpc>
-                <a:spcPct val="100000"/>
-              </a:lnSpc>
-            </a:pPr>
-            <a:fld id="{AB3C28CB-0020-4E3A-9312-D38198B7F037}" type="slidenum">
-              <a:rPr lang="en-US" sz="1200">
-                <a:solidFill>
-                  <a:srgbClr val="8B8B8B"/>
-                </a:solidFill>
-                <a:latin typeface="Calibri"/>
-              </a:rPr>
-              <a:t>‹#›</a:t>
-            </a:fld>
-            <a:endParaRPr/>
-          </a:p>
-        </p:txBody>
-      </p:sp>
-      <p:sp>
-        <p:nvSpPr>
-          <p:cNvPr id="4" name="PlaceHolder 5"/>
+            <a:endParaRPr b="0" lang="en-US" sz="1800" spc="-1" strike="noStrike">
+              <a:solidFill>
+                <a:srgbClr val="000000"/>
+              </a:solidFill>
+              <a:uFill>
+                <a:solidFill>
+                  <a:srgbClr val="ffffff"/>
+                </a:solidFill>
+              </a:uFill>
+              <a:latin typeface="Arial"/>
+            </a:endParaRPr>
+          </a:p>
+        </p:txBody>
+      </p:sp>
+      <p:sp>
+        <p:nvSpPr>
+          <p:cNvPr id="1" name="PlaceHolder 2"/>
           <p:cNvSpPr>
             <a:spLocks noGrp="1"/>
           </p:cNvSpPr>
@@ -1525,135 +1678,276 @@
           </a:prstGeom>
         </p:spPr>
         <p:txBody>
-          <a:bodyPr lIns="0" tIns="0" rIns="0" bIns="0"/>
-          <a:lstStyle/>
-          <a:p>
-            <a:pPr>
+          <a:bodyPr lIns="0" rIns="0" tIns="0" bIns="0"/>
+          <a:p>
+            <a:pPr marL="432000" indent="-324000">
+              <a:buClr>
+                <a:srgbClr val="000000"/>
+              </a:buClr>
               <a:buSzPct val="45000"/>
-              <a:buFont typeface="StarSymbol"/>
+              <a:buFont typeface="Wingdings" charset="2"/>
               <a:buChar char=""/>
             </a:pPr>
             <a:r>
-              <a:rPr lang="en-US" sz="3200">
-                <a:latin typeface="Calibri"/>
+              <a:rPr b="0" lang="en-US" sz="1800" spc="-1" strike="noStrike">
+                <a:solidFill>
+                  <a:srgbClr val="000000"/>
+                </a:solidFill>
+                <a:uFill>
+                  <a:solidFill>
+                    <a:srgbClr val="ffffff"/>
+                  </a:solidFill>
+                </a:uFill>
+                <a:latin typeface="Arial"/>
               </a:rPr>
               <a:t>Click to edit the outline text format</a:t>
             </a:r>
-            <a:endParaRPr/>
-          </a:p>
-          <a:p>
-            <a:pPr lvl="1">
+            <a:endParaRPr b="0" lang="en-US" sz="1800" spc="-1" strike="noStrike">
+              <a:solidFill>
+                <a:srgbClr val="000000"/>
+              </a:solidFill>
+              <a:uFill>
+                <a:solidFill>
+                  <a:srgbClr val="ffffff"/>
+                </a:solidFill>
+              </a:uFill>
+              <a:latin typeface="Arial"/>
+            </a:endParaRPr>
+          </a:p>
+          <a:p>
+            <a:pPr lvl="1" marL="864000" indent="-324000">
+              <a:buClr>
+                <a:srgbClr val="000000"/>
+              </a:buClr>
               <a:buSzPct val="75000"/>
-              <a:buFont typeface="StarSymbol"/>
+              <a:buFont typeface="Symbol" charset="2"/>
               <a:buChar char=""/>
             </a:pPr>
             <a:r>
-              <a:rPr lang="en-US" sz="2400">
-                <a:latin typeface="Calibri"/>
+              <a:rPr b="0" lang="en-US" sz="1800" spc="-1" strike="noStrike">
+                <a:solidFill>
+                  <a:srgbClr val="000000"/>
+                </a:solidFill>
+                <a:uFill>
+                  <a:solidFill>
+                    <a:srgbClr val="ffffff"/>
+                  </a:solidFill>
+                </a:uFill>
+                <a:latin typeface="Arial"/>
               </a:rPr>
               <a:t>Second Outline Level</a:t>
             </a:r>
-            <a:endParaRPr/>
-          </a:p>
-          <a:p>
-            <a:pPr lvl="2">
+            <a:endParaRPr b="0" lang="en-US" sz="1800" spc="-1" strike="noStrike">
+              <a:solidFill>
+                <a:srgbClr val="000000"/>
+              </a:solidFill>
+              <a:uFill>
+                <a:solidFill>
+                  <a:srgbClr val="ffffff"/>
+                </a:solidFill>
+              </a:uFill>
+              <a:latin typeface="Arial"/>
+            </a:endParaRPr>
+          </a:p>
+          <a:p>
+            <a:pPr lvl="2" marL="1296000" indent="-288000">
+              <a:buClr>
+                <a:srgbClr val="000000"/>
+              </a:buClr>
               <a:buSzPct val="45000"/>
-              <a:buFont typeface="StarSymbol"/>
+              <a:buFont typeface="Wingdings" charset="2"/>
               <a:buChar char=""/>
             </a:pPr>
             <a:r>
-              <a:rPr lang="en-US" sz="2000">
-                <a:latin typeface="Calibri"/>
+              <a:rPr b="0" lang="en-US" sz="1800" spc="-1" strike="noStrike">
+                <a:solidFill>
+                  <a:srgbClr val="000000"/>
+                </a:solidFill>
+                <a:uFill>
+                  <a:solidFill>
+                    <a:srgbClr val="ffffff"/>
+                  </a:solidFill>
+                </a:uFill>
+                <a:latin typeface="Arial"/>
               </a:rPr>
               <a:t>Third Outline Level</a:t>
             </a:r>
-            <a:endParaRPr/>
-          </a:p>
-          <a:p>
-            <a:pPr lvl="3">
+            <a:endParaRPr b="0" lang="en-US" sz="1800" spc="-1" strike="noStrike">
+              <a:solidFill>
+                <a:srgbClr val="000000"/>
+              </a:solidFill>
+              <a:uFill>
+                <a:solidFill>
+                  <a:srgbClr val="ffffff"/>
+                </a:solidFill>
+              </a:uFill>
+              <a:latin typeface="Arial"/>
+            </a:endParaRPr>
+          </a:p>
+          <a:p>
+            <a:pPr lvl="3" marL="1728000" indent="-216000">
+              <a:buClr>
+                <a:srgbClr val="000000"/>
+              </a:buClr>
               <a:buSzPct val="75000"/>
-              <a:buFont typeface="StarSymbol"/>
+              <a:buFont typeface="Symbol" charset="2"/>
               <a:buChar char=""/>
             </a:pPr>
             <a:r>
-              <a:rPr lang="en-US" sz="2000">
-                <a:latin typeface="Calibri"/>
+              <a:rPr b="0" lang="en-US" sz="1800" spc="-1" strike="noStrike">
+                <a:solidFill>
+                  <a:srgbClr val="000000"/>
+                </a:solidFill>
+                <a:uFill>
+                  <a:solidFill>
+                    <a:srgbClr val="ffffff"/>
+                  </a:solidFill>
+                </a:uFill>
+                <a:latin typeface="Arial"/>
               </a:rPr>
               <a:t>Fourth Outline Level</a:t>
             </a:r>
-            <a:endParaRPr/>
-          </a:p>
-          <a:p>
-            <a:pPr lvl="4">
+            <a:endParaRPr b="0" lang="en-US" sz="1800" spc="-1" strike="noStrike">
+              <a:solidFill>
+                <a:srgbClr val="000000"/>
+              </a:solidFill>
+              <a:uFill>
+                <a:solidFill>
+                  <a:srgbClr val="ffffff"/>
+                </a:solidFill>
+              </a:uFill>
+              <a:latin typeface="Arial"/>
+            </a:endParaRPr>
+          </a:p>
+          <a:p>
+            <a:pPr lvl="4" marL="2160000" indent="-216000">
+              <a:buClr>
+                <a:srgbClr val="000000"/>
+              </a:buClr>
               <a:buSzPct val="45000"/>
-              <a:buFont typeface="StarSymbol"/>
+              <a:buFont typeface="Wingdings" charset="2"/>
               <a:buChar char=""/>
             </a:pPr>
             <a:r>
-              <a:rPr lang="en-US" sz="2000">
-                <a:latin typeface="Calibri"/>
+              <a:rPr b="0" lang="en-US" sz="2000" spc="-1" strike="noStrike">
+                <a:solidFill>
+                  <a:srgbClr val="000000"/>
+                </a:solidFill>
+                <a:uFill>
+                  <a:solidFill>
+                    <a:srgbClr val="ffffff"/>
+                  </a:solidFill>
+                </a:uFill>
+                <a:latin typeface="Arial"/>
               </a:rPr>
               <a:t>Fifth Outline Level</a:t>
             </a:r>
-            <a:endParaRPr/>
-          </a:p>
-          <a:p>
-            <a:pPr lvl="5">
+            <a:endParaRPr b="0" lang="en-US" sz="2000" spc="-1" strike="noStrike">
+              <a:solidFill>
+                <a:srgbClr val="000000"/>
+              </a:solidFill>
+              <a:uFill>
+                <a:solidFill>
+                  <a:srgbClr val="ffffff"/>
+                </a:solidFill>
+              </a:uFill>
+              <a:latin typeface="Arial"/>
+            </a:endParaRPr>
+          </a:p>
+          <a:p>
+            <a:pPr lvl="5" marL="2592000" indent="-216000">
+              <a:buClr>
+                <a:srgbClr val="000000"/>
+              </a:buClr>
               <a:buSzPct val="45000"/>
-              <a:buFont typeface="StarSymbol"/>
+              <a:buFont typeface="Wingdings" charset="2"/>
               <a:buChar char=""/>
             </a:pPr>
             <a:r>
-              <a:rPr lang="en-US" sz="2000">
-                <a:latin typeface="Calibri"/>
+              <a:rPr b="0" lang="en-US" sz="2000" spc="-1" strike="noStrike">
+                <a:solidFill>
+                  <a:srgbClr val="000000"/>
+                </a:solidFill>
+                <a:uFill>
+                  <a:solidFill>
+                    <a:srgbClr val="ffffff"/>
+                  </a:solidFill>
+                </a:uFill>
+                <a:latin typeface="Arial"/>
               </a:rPr>
               <a:t>Sixth Outline Level</a:t>
             </a:r>
-            <a:endParaRPr/>
-          </a:p>
-          <a:p>
-            <a:pPr lvl="6">
+            <a:endParaRPr b="0" lang="en-US" sz="2000" spc="-1" strike="noStrike">
+              <a:solidFill>
+                <a:srgbClr val="000000"/>
+              </a:solidFill>
+              <a:uFill>
+                <a:solidFill>
+                  <a:srgbClr val="ffffff"/>
+                </a:solidFill>
+              </a:uFill>
+              <a:latin typeface="Arial"/>
+            </a:endParaRPr>
+          </a:p>
+          <a:p>
+            <a:pPr lvl="6" marL="3024000" indent="-216000">
+              <a:buClr>
+                <a:srgbClr val="000000"/>
+              </a:buClr>
               <a:buSzPct val="45000"/>
-              <a:buFont typeface="StarSymbol"/>
+              <a:buFont typeface="Wingdings" charset="2"/>
               <a:buChar char=""/>
             </a:pPr>
             <a:r>
-              <a:rPr lang="en-US" sz="2000">
-                <a:latin typeface="Calibri"/>
+              <a:rPr b="0" lang="en-US" sz="2000" spc="-1" strike="noStrike">
+                <a:solidFill>
+                  <a:srgbClr val="000000"/>
+                </a:solidFill>
+                <a:uFill>
+                  <a:solidFill>
+                    <a:srgbClr val="ffffff"/>
+                  </a:solidFill>
+                </a:uFill>
+                <a:latin typeface="Arial"/>
               </a:rPr>
               <a:t>Seventh Outline Level</a:t>
             </a:r>
-            <a:endParaRPr/>
+            <a:endParaRPr b="0" lang="en-US" sz="2000" spc="-1" strike="noStrike">
+              <a:solidFill>
+                <a:srgbClr val="000000"/>
+              </a:solidFill>
+              <a:uFill>
+                <a:solidFill>
+                  <a:srgbClr val="ffffff"/>
+                </a:solidFill>
+              </a:uFill>
+              <a:latin typeface="Arial"/>
+            </a:endParaRPr>
           </a:p>
         </p:txBody>
       </p:sp>
     </p:spTree>
   </p:cSld>
-  <p:clrMap bg1="lt1" tx1="dk1" bg2="lt2" tx2="dk2" accent1="accent1" accent2="accent2" accent3="accent3" accent4="accent4" accent5="accent5" accent6="accent6" hlink="hlink" folHlink="folHlink"/>
+  <p:clrMap bg1="lt1" bg2="lt2" tx1="dk1" tx2="dk2" accent1="accent1" accent2="accent2" accent3="accent3" accent4="accent4" accent5="accent5" accent6="accent6" hlink="hlink" folHlink="folHlink"/>
   <p:sldLayoutIdLst>
-    <p:sldLayoutId id="2147483649" r:id="rId1"/>
-    <p:sldLayoutId id="2147483650" r:id="rId2"/>
-    <p:sldLayoutId id="2147483651" r:id="rId3"/>
-    <p:sldLayoutId id="2147483652" r:id="rId4"/>
-    <p:sldLayoutId id="2147483653" r:id="rId5"/>
-    <p:sldLayoutId id="2147483654" r:id="rId6"/>
-    <p:sldLayoutId id="2147483655" r:id="rId7"/>
-    <p:sldLayoutId id="2147483656" r:id="rId8"/>
-    <p:sldLayoutId id="2147483657" r:id="rId9"/>
-    <p:sldLayoutId id="2147483658" r:id="rId10"/>
-    <p:sldLayoutId id="2147483659" r:id="rId11"/>
-    <p:sldLayoutId id="2147483660" r:id="rId12"/>
+    <p:sldLayoutId id="2147483649" r:id="rId2"/>
+    <p:sldLayoutId id="2147483650" r:id="rId3"/>
+    <p:sldLayoutId id="2147483651" r:id="rId4"/>
+    <p:sldLayoutId id="2147483652" r:id="rId5"/>
+    <p:sldLayoutId id="2147483653" r:id="rId6"/>
+    <p:sldLayoutId id="2147483654" r:id="rId7"/>
+    <p:sldLayoutId id="2147483655" r:id="rId8"/>
+    <p:sldLayoutId id="2147483656" r:id="rId9"/>
+    <p:sldLayoutId id="2147483657" r:id="rId10"/>
+    <p:sldLayoutId id="2147483658" r:id="rId11"/>
+    <p:sldLayoutId id="2147483659" r:id="rId12"/>
+    <p:sldLayoutId id="2147483660" r:id="rId13"/>
   </p:sldLayoutIdLst>
-  <p:txStyles>
-    <p:titleStyle/>
-    <p:bodyStyle/>
-    <p:otherStyle/>
-  </p:txStyles>
 </p:sldMaster>
 </file>
 
 <file path=ppt/slides/slide1.xml><?xml version="1.0" encoding="utf-8"?>
-<p:sld xmlns:a="http://schemas.openxmlformats.org/drawingml/2006/main" xmlns:r="http://schemas.openxmlformats.org/officeDocument/2006/relationships" xmlns:p="http://schemas.openxmlformats.org/presentationml/2006/main">
+<p:sld xmlns:a="http://schemas.openxmlformats.org/drawingml/2006/main" xmlns:p="http://schemas.openxmlformats.org/presentationml/2006/main" xmlns:r="http://schemas.openxmlformats.org/officeDocument/2006/relationships" xmlns:p14="http://schemas.microsoft.com/office/powerpoint/2010/main" xmlns:p15="http://schemas.microsoft.com/office/powerpoint/2012/main" xmlns:mc="http://schemas.openxmlformats.org/markup-compatibility/2006">
   <p:cSld>
     <p:spTree>
       <p:nvGrpSpPr>
@@ -1671,14 +1965,14 @@
       </p:grpSpPr>
       <p:sp>
         <p:nvSpPr>
-          <p:cNvPr id="39" name="CustomShape 1"/>
+          <p:cNvPr id="38" name="CustomShape 1"/>
           <p:cNvSpPr/>
           <p:nvPr/>
         </p:nvSpPr>
         <p:spPr>
           <a:xfrm>
-            <a:off x="-33240" y="6493320"/>
-            <a:ext cx="4224240" cy="364680"/>
+            <a:off x="-33120" y="6493320"/>
+            <a:ext cx="4223880" cy="364320"/>
           </a:xfrm>
           <a:prstGeom prst="rect">
             <a:avLst/>
@@ -1688,9 +1982,14 @@
             <a:noFill/>
           </a:ln>
         </p:spPr>
-        <p:txBody>
-          <a:bodyPr wrap="none" lIns="90000" tIns="45000" rIns="90000" bIns="45000"/>
-          <a:lstStyle/>
+        <p:style>
+          <a:lnRef idx="0"/>
+          <a:fillRef idx="0"/>
+          <a:effectRef idx="0"/>
+          <a:fontRef idx="minor"/>
+        </p:style>
+        <p:txBody>
+          <a:bodyPr wrap="none" lIns="90000" rIns="90000" tIns="45000" bIns="45000"/>
           <a:p>
             <a:pPr>
               <a:lnSpc>
@@ -1698,61 +1997,48 @@
               </a:lnSpc>
             </a:pPr>
             <a:r>
-              <a:rPr lang="en-US" dirty="0" err="1">
+              <a:rPr b="0" lang="en-US" sz="1800" spc="-1" strike="noStrike">
                 <a:solidFill>
                   <a:srgbClr val="000000"/>
                 </a:solidFill>
+                <a:uFill>
+                  <a:solidFill>
+                    <a:srgbClr val="ffffff"/>
+                  </a:solidFill>
+                </a:uFill>
                 <a:latin typeface="Calibri"/>
+                <a:ea typeface="DejaVu Sans"/>
               </a:rPr>
-              <a:t>Bartholomeus</a:t>
+              <a:t>Bartholomeus et al. 2013 Eco. Lett.</a:t>
             </a:r>
-            <a:r>
-              <a:rPr lang="en-US" dirty="0">
-                <a:solidFill>
-                  <a:srgbClr val="000000"/>
-                </a:solidFill>
-                <a:latin typeface="Calibri"/>
-              </a:rPr>
-              <a:t> et al. 2013 Eco. </a:t>
-            </a:r>
-            <a:r>
-              <a:rPr lang="en-US" dirty="0" err="1">
-                <a:solidFill>
-                  <a:srgbClr val="000000"/>
-                </a:solidFill>
-                <a:latin typeface="Calibri"/>
-              </a:rPr>
-              <a:t>Lett</a:t>
-            </a:r>
-            <a:r>
-              <a:rPr lang="en-US" dirty="0">
-                <a:solidFill>
-                  <a:srgbClr val="000000"/>
-                </a:solidFill>
-                <a:latin typeface="Calibri"/>
-              </a:rPr>
-              <a:t>.</a:t>
-            </a:r>
-            <a:endParaRPr dirty="0"/>
+            <a:endParaRPr b="0" lang="en-US" sz="1800" spc="-1" strike="noStrike">
+              <a:solidFill>
+                <a:srgbClr val="000000"/>
+              </a:solidFill>
+              <a:uFill>
+                <a:solidFill>
+                  <a:srgbClr val="ffffff"/>
+                </a:solidFill>
+              </a:uFill>
+              <a:latin typeface="Arial"/>
+            </a:endParaRPr>
           </a:p>
         </p:txBody>
       </p:sp>
       <p:pic>
         <p:nvPicPr>
-          <p:cNvPr id="40" name="Picture 2"/>
+          <p:cNvPr id="39" name="Picture 2" descr=""/>
           <p:cNvPicPr/>
           <p:nvPr/>
         </p:nvPicPr>
         <p:blipFill>
-          <a:blip r:embed="rId2"/>
-          <a:stretch>
-            <a:fillRect/>
-          </a:stretch>
+          <a:blip r:embed="rId1"/>
+          <a:stretch/>
         </p:blipFill>
         <p:spPr>
           <a:xfrm>
             <a:off x="2666880" y="1676520"/>
-            <a:ext cx="3625920" cy="2971440"/>
+            <a:ext cx="3625560" cy="2971080"/>
           </a:xfrm>
           <a:prstGeom prst="rect">
             <a:avLst/>
@@ -1764,9 +2050,6 @@
       </p:pic>
     </p:spTree>
   </p:cSld>
-  <p:clrMapOvr>
-    <a:masterClrMapping/>
-  </p:clrMapOvr>
   <p:timing>
     <p:tnLst>
       <p:par>
@@ -1775,14 +2058,14 @@
             <p:seq>
               <p:cTn id="2" nodeType="mainSeq"/>
               <p:prevCondLst>
-                <p:cond evt="onPrev" delay="0">
+                <p:cond delay="0" evt="onPrev">
                   <p:tgtEl>
                     <p:sldTgt/>
                   </p:tgtEl>
                 </p:cond>
               </p:prevCondLst>
               <p:nextCondLst>
-                <p:cond evt="onNext" delay="0">
+                <p:cond delay="0" evt="onNext">
                   <p:tgtEl>
                     <p:sldTgt/>
                   </p:tgtEl>
@@ -1797,8 +2080,8 @@
 </p:sld>
 </file>
 
-<file path=ppt/slides/slide2.xml><?xml version="1.0" encoding="utf-8"?>
-<p:sld xmlns:a="http://schemas.openxmlformats.org/drawingml/2006/main" xmlns:r="http://schemas.openxmlformats.org/officeDocument/2006/relationships" xmlns:p="http://schemas.openxmlformats.org/presentationml/2006/main">
+<file path=ppt/slides/slide10.xml><?xml version="1.0" encoding="utf-8"?>
+<p:sld xmlns:a="http://schemas.openxmlformats.org/drawingml/2006/main" xmlns:p="http://schemas.openxmlformats.org/presentationml/2006/main" xmlns:r="http://schemas.openxmlformats.org/officeDocument/2006/relationships" xmlns:p14="http://schemas.microsoft.com/office/powerpoint/2010/main" xmlns:p15="http://schemas.microsoft.com/office/powerpoint/2012/main" xmlns:mc="http://schemas.openxmlformats.org/markup-compatibility/2006">
   <p:cSld>
     <p:spTree>
       <p:nvGrpSpPr>
@@ -1816,14 +2099,14 @@
       </p:grpSpPr>
       <p:sp>
         <p:nvSpPr>
-          <p:cNvPr id="41" name="CustomShape 1"/>
-          <p:cNvSpPr/>
+          <p:cNvPr id="57" name="TextShape 1"/>
+          <p:cNvSpPr txBox="1"/>
           <p:nvPr/>
         </p:nvSpPr>
         <p:spPr>
           <a:xfrm>
-            <a:off x="0" y="6493320"/>
-            <a:ext cx="3357360" cy="364680"/>
+            <a:off x="0" y="6544800"/>
+            <a:ext cx="3297240" cy="356040"/>
           </a:xfrm>
           <a:prstGeom prst="rect">
             <a:avLst/>
@@ -1834,8 +2117,7 @@
           </a:ln>
         </p:spPr>
         <p:txBody>
-          <a:bodyPr wrap="none" lIns="90000" tIns="45000" rIns="90000" bIns="45000"/>
-          <a:lstStyle/>
+          <a:bodyPr lIns="90000" rIns="90000" tIns="45000" bIns="45000"/>
           <a:p>
             <a:pPr>
               <a:lnSpc>
@@ -1843,91 +2125,75 @@
               </a:lnSpc>
             </a:pPr>
             <a:r>
-              <a:rPr lang="en-US" dirty="0" err="1">
+              <a:rPr b="0" lang="en-US" sz="1800" spc="-1" strike="noStrike">
                 <a:solidFill>
                   <a:srgbClr val="000000"/>
                 </a:solidFill>
+                <a:uFill>
+                  <a:solidFill>
+                    <a:srgbClr val="ffffff"/>
+                  </a:solidFill>
+                </a:uFill>
                 <a:latin typeface="Calibri"/>
+                <a:ea typeface="DejaVu Sans"/>
               </a:rPr>
-              <a:t>Dostal</a:t>
+              <a:t>Simova et al. 2011 GEB</a:t>
             </a:r>
-            <a:r>
-              <a:rPr lang="en-US" dirty="0">
-                <a:solidFill>
-                  <a:srgbClr val="000000"/>
-                </a:solidFill>
-                <a:latin typeface="Calibri"/>
-              </a:rPr>
-              <a:t> et al. 2013 Eco. </a:t>
-            </a:r>
-            <a:r>
-              <a:rPr lang="en-US" dirty="0" err="1">
-                <a:solidFill>
-                  <a:srgbClr val="000000"/>
-                </a:solidFill>
-                <a:latin typeface="Calibri"/>
-              </a:rPr>
-              <a:t>Lett</a:t>
-            </a:r>
-            <a:r>
-              <a:rPr lang="en-US" dirty="0">
-                <a:solidFill>
-                  <a:srgbClr val="000000"/>
-                </a:solidFill>
-                <a:latin typeface="Calibri"/>
-              </a:rPr>
-              <a:t>.</a:t>
-            </a:r>
-            <a:endParaRPr dirty="0"/>
+            <a:endParaRPr b="0" lang="en-US" sz="1800" spc="-1" strike="noStrike">
+              <a:solidFill>
+                <a:srgbClr val="000000"/>
+              </a:solidFill>
+              <a:uFill>
+                <a:solidFill>
+                  <a:srgbClr val="ffffff"/>
+                </a:solidFill>
+              </a:uFill>
+              <a:latin typeface="Arial"/>
+            </a:endParaRPr>
           </a:p>
         </p:txBody>
       </p:sp>
       <p:pic>
         <p:nvPicPr>
-          <p:cNvPr id="42" name="Picture 2"/>
+          <p:cNvPr id="58" name="" descr=""/>
           <p:cNvPicPr/>
           <p:nvPr/>
         </p:nvPicPr>
         <p:blipFill>
-          <a:blip r:embed="rId2"/>
-          <a:stretch>
-            <a:fillRect/>
-          </a:stretch>
+          <a:blip r:embed="rId1"/>
+          <a:stretch/>
         </p:blipFill>
         <p:spPr>
           <a:xfrm>
-            <a:off x="2514600" y="1143000"/>
-            <a:ext cx="4333680" cy="4181040"/>
-          </a:xfrm>
-          <a:prstGeom prst="rect">
-            <a:avLst/>
-          </a:prstGeom>
-          <a:ln w="9360">
+            <a:off x="587160" y="1965240"/>
+            <a:ext cx="7751880" cy="2618640"/>
+          </a:xfrm>
+          <a:prstGeom prst="rect">
+            <a:avLst/>
+          </a:prstGeom>
+          <a:ln>
             <a:noFill/>
           </a:ln>
         </p:spPr>
       </p:pic>
     </p:spTree>
   </p:cSld>
-  <p:clrMapOvr>
-    <a:masterClrMapping/>
-  </p:clrMapOvr>
   <p:timing>
     <p:tnLst>
       <p:par>
-        <p:cTn id="1" dur="indefinite" restart="never" nodeType="tmRoot">
+        <p:cTn id="19" dur="indefinite" restart="never" nodeType="tmRoot">
           <p:childTnLst>
             <p:seq>
-              <p:cTn id="2" nodeType="mainSeq"/>
+              <p:cTn id="20" nodeType="mainSeq"/>
               <p:prevCondLst>
-                <p:cond evt="onPrev" delay="0">
+                <p:cond delay="0" evt="onPrev">
                   <p:tgtEl>
                     <p:sldTgt/>
                   </p:tgtEl>
                 </p:cond>
               </p:prevCondLst>
               <p:nextCondLst>
-                <p:cond evt="onNext" delay="0">
+                <p:cond delay="0" evt="onNext">
                   <p:tgtEl>
                     <p:sldTgt/>
                   </p:tgtEl>
@@ -1942,189 +2208,8 @@
 </p:sld>
 </file>
 
-<file path=ppt/slides/slide3.xml><?xml version="1.0" encoding="utf-8"?>
-<p:sld xmlns:a="http://schemas.openxmlformats.org/drawingml/2006/main" xmlns:r="http://schemas.openxmlformats.org/officeDocument/2006/relationships" xmlns:p="http://schemas.openxmlformats.org/presentationml/2006/main">
-  <p:cSld>
-    <p:spTree>
-      <p:nvGrpSpPr>
-        <p:cNvPr id="1" name=""/>
-        <p:cNvGrpSpPr/>
-        <p:nvPr/>
-      </p:nvGrpSpPr>
-      <p:grpSpPr>
-        <a:xfrm>
-          <a:off x="0" y="0"/>
-          <a:ext cx="0" cy="0"/>
-          <a:chOff x="0" y="0"/>
-          <a:chExt cx="0" cy="0"/>
-        </a:xfrm>
-      </p:grpSpPr>
-      <p:sp>
-        <p:nvSpPr>
-          <p:cNvPr id="43" name="CustomShape 1"/>
-          <p:cNvSpPr/>
-          <p:nvPr/>
-        </p:nvSpPr>
-        <p:spPr>
-          <a:xfrm>
-            <a:off x="0" y="6488640"/>
-            <a:ext cx="5326200" cy="364680"/>
-          </a:xfrm>
-          <a:prstGeom prst="rect">
-            <a:avLst/>
-          </a:prstGeom>
-          <a:noFill/>
-          <a:ln>
-            <a:noFill/>
-          </a:ln>
-        </p:spPr>
-        <p:txBody>
-          <a:bodyPr wrap="none" lIns="90000" tIns="45000" rIns="90000" bIns="45000"/>
-          <a:lstStyle/>
-          <a:p>
-            <a:pPr>
-              <a:lnSpc>
-                <a:spcPct val="100000"/>
-              </a:lnSpc>
-            </a:pPr>
-            <a:r>
-              <a:rPr lang="en-US" dirty="0" err="1">
-                <a:solidFill>
-                  <a:srgbClr val="000000"/>
-                </a:solidFill>
-                <a:latin typeface="Calibri"/>
-              </a:rPr>
-              <a:t>Belshe</a:t>
-            </a:r>
-            <a:r>
-              <a:rPr lang="en-US" dirty="0">
-                <a:solidFill>
-                  <a:srgbClr val="000000"/>
-                </a:solidFill>
-                <a:latin typeface="Calibri"/>
-              </a:rPr>
-              <a:t>, </a:t>
-            </a:r>
-            <a:r>
-              <a:rPr lang="en-US" dirty="0" err="1">
-                <a:solidFill>
-                  <a:srgbClr val="000000"/>
-                </a:solidFill>
-                <a:latin typeface="Calibri"/>
-              </a:rPr>
-              <a:t>Schurr</a:t>
-            </a:r>
-            <a:r>
-              <a:rPr lang="en-US" dirty="0">
-                <a:solidFill>
-                  <a:srgbClr val="000000"/>
-                </a:solidFill>
-                <a:latin typeface="Calibri"/>
-              </a:rPr>
-              <a:t> &amp; </a:t>
-            </a:r>
-            <a:r>
-              <a:rPr lang="en-US" dirty="0" err="1">
-                <a:solidFill>
-                  <a:srgbClr val="000000"/>
-                </a:solidFill>
-                <a:latin typeface="Calibri"/>
-              </a:rPr>
-              <a:t>Bolker</a:t>
-            </a:r>
-            <a:r>
-              <a:rPr lang="en-US" dirty="0">
-                <a:solidFill>
-                  <a:srgbClr val="000000"/>
-                </a:solidFill>
-                <a:latin typeface="Calibri"/>
-              </a:rPr>
-              <a:t> et al. 2013 Eco. </a:t>
-            </a:r>
-            <a:r>
-              <a:rPr lang="en-US" dirty="0" err="1">
-                <a:solidFill>
-                  <a:srgbClr val="000000"/>
-                </a:solidFill>
-                <a:latin typeface="Calibri"/>
-              </a:rPr>
-              <a:t>Lett</a:t>
-            </a:r>
-            <a:r>
-              <a:rPr lang="en-US" dirty="0">
-                <a:solidFill>
-                  <a:srgbClr val="000000"/>
-                </a:solidFill>
-                <a:latin typeface="Calibri"/>
-              </a:rPr>
-              <a:t>.</a:t>
-            </a:r>
-            <a:endParaRPr dirty="0"/>
-          </a:p>
-        </p:txBody>
-      </p:sp>
-      <p:pic>
-        <p:nvPicPr>
-          <p:cNvPr id="44" name="Picture 3"/>
-          <p:cNvPicPr/>
-          <p:nvPr/>
-        </p:nvPicPr>
-        <p:blipFill>
-          <a:blip r:embed="rId2"/>
-          <a:stretch>
-            <a:fillRect/>
-          </a:stretch>
-        </p:blipFill>
-        <p:spPr>
-          <a:xfrm>
-            <a:off x="1828800" y="0"/>
-            <a:ext cx="4571640" cy="6519960"/>
-          </a:xfrm>
-          <a:prstGeom prst="rect">
-            <a:avLst/>
-          </a:prstGeom>
-          <a:ln w="9360">
-            <a:noFill/>
-          </a:ln>
-        </p:spPr>
-      </p:pic>
-    </p:spTree>
-  </p:cSld>
-  <p:clrMapOvr>
-    <a:masterClrMapping/>
-  </p:clrMapOvr>
-  <p:timing>
-    <p:tnLst>
-      <p:par>
-        <p:cTn id="1" dur="indefinite" restart="never" nodeType="tmRoot">
-          <p:childTnLst>
-            <p:seq>
-              <p:cTn id="2" nodeType="mainSeq"/>
-              <p:prevCondLst>
-                <p:cond evt="onPrev" delay="0">
-                  <p:tgtEl>
-                    <p:sldTgt/>
-                  </p:tgtEl>
-                </p:cond>
-              </p:prevCondLst>
-              <p:nextCondLst>
-                <p:cond evt="onNext" delay="0">
-                  <p:tgtEl>
-                    <p:sldTgt/>
-                  </p:tgtEl>
-                </p:cond>
-              </p:nextCondLst>
-            </p:seq>
-          </p:childTnLst>
-        </p:cTn>
-      </p:par>
-    </p:tnLst>
-  </p:timing>
-</p:sld>
-</file>
-
-<file path=ppt/slides/slide4.xml><?xml version="1.0" encoding="utf-8"?>
-<p:sld xmlns:a="http://schemas.openxmlformats.org/drawingml/2006/main" xmlns:r="http://schemas.openxmlformats.org/officeDocument/2006/relationships" xmlns:p="http://schemas.openxmlformats.org/presentationml/2006/main">
+<file path=ppt/slides/slide11.xml><?xml version="1.0" encoding="utf-8"?>
+<p:sld xmlns:a="http://schemas.openxmlformats.org/drawingml/2006/main" xmlns:p="http://schemas.openxmlformats.org/presentationml/2006/main" xmlns:r="http://schemas.openxmlformats.org/officeDocument/2006/relationships" xmlns:p14="http://schemas.microsoft.com/office/powerpoint/2010/main" xmlns:p15="http://schemas.microsoft.com/office/powerpoint/2012/main" xmlns:mc="http://schemas.openxmlformats.org/markup-compatibility/2006">
   <p:cSld>
     <p:spTree>
       <p:nvGrpSpPr>
@@ -2142,39 +2227,37 @@
       </p:grpSpPr>
       <p:pic>
         <p:nvPicPr>
-          <p:cNvPr id="45" name="Picture 2"/>
+          <p:cNvPr id="59" name="" descr=""/>
           <p:cNvPicPr/>
           <p:nvPr/>
         </p:nvPicPr>
         <p:blipFill>
-          <a:blip r:embed="rId2"/>
-          <a:stretch>
-            <a:fillRect/>
-          </a:stretch>
+          <a:blip r:embed="rId1"/>
+          <a:stretch/>
         </p:blipFill>
         <p:spPr>
           <a:xfrm>
-            <a:off x="990720" y="228600"/>
-            <a:ext cx="6894360" cy="6019560"/>
-          </a:xfrm>
-          <a:prstGeom prst="rect">
-            <a:avLst/>
-          </a:prstGeom>
-          <a:ln w="9360">
+            <a:off x="2004120" y="70920"/>
+            <a:ext cx="5234760" cy="6377400"/>
+          </a:xfrm>
+          <a:prstGeom prst="rect">
+            <a:avLst/>
+          </a:prstGeom>
+          <a:ln>
             <a:noFill/>
           </a:ln>
         </p:spPr>
       </p:pic>
       <p:sp>
         <p:nvSpPr>
-          <p:cNvPr id="46" name="CustomShape 1"/>
-          <p:cNvSpPr/>
+          <p:cNvPr id="60" name="TextShape 1"/>
+          <p:cNvSpPr txBox="1"/>
           <p:nvPr/>
         </p:nvSpPr>
         <p:spPr>
           <a:xfrm>
-            <a:off x="0" y="6488640"/>
-            <a:ext cx="4394880" cy="364680"/>
+            <a:off x="360" y="6545160"/>
+            <a:ext cx="3297240" cy="356040"/>
           </a:xfrm>
           <a:prstGeom prst="rect">
             <a:avLst/>
@@ -2185,8 +2268,7 @@
           </a:ln>
         </p:spPr>
         <p:txBody>
-          <a:bodyPr wrap="none" lIns="90000" tIns="45000" rIns="90000" bIns="45000"/>
-          <a:lstStyle/>
+          <a:bodyPr lIns="90000" rIns="90000" tIns="45000" bIns="45000"/>
           <a:p>
             <a:pPr>
               <a:lnSpc>
@@ -2194,66 +2276,52 @@
               </a:lnSpc>
             </a:pPr>
             <a:r>
-              <a:rPr lang="en-US" dirty="0" err="1">
+              <a:rPr b="0" lang="en-US" sz="1800" spc="-1" strike="noStrike">
                 <a:solidFill>
                   <a:srgbClr val="000000"/>
                 </a:solidFill>
+                <a:uFill>
+                  <a:solidFill>
+                    <a:srgbClr val="ffffff"/>
+                  </a:solidFill>
+                </a:uFill>
                 <a:latin typeface="Calibri"/>
+                <a:ea typeface="DejaVu Sans"/>
               </a:rPr>
-              <a:t>Morueta-Holme</a:t>
+              <a:t>Cooney et al. 2017 Nature</a:t>
             </a:r>
-            <a:r>
-              <a:rPr lang="en-US" dirty="0">
-                <a:solidFill>
-                  <a:srgbClr val="000000"/>
-                </a:solidFill>
-                <a:latin typeface="Calibri"/>
-              </a:rPr>
-              <a:t> et al. 2013 Eco. </a:t>
-            </a:r>
-            <a:r>
-              <a:rPr lang="en-US" dirty="0" err="1">
-                <a:solidFill>
-                  <a:srgbClr val="000000"/>
-                </a:solidFill>
-                <a:latin typeface="Calibri"/>
-              </a:rPr>
-              <a:t>Lett</a:t>
-            </a:r>
-            <a:r>
-              <a:rPr lang="en-US" dirty="0">
-                <a:solidFill>
-                  <a:srgbClr val="000000"/>
-                </a:solidFill>
-                <a:latin typeface="Calibri"/>
-              </a:rPr>
-              <a:t>.</a:t>
-            </a:r>
-            <a:endParaRPr dirty="0"/>
+            <a:endParaRPr b="0" lang="en-US" sz="1800" spc="-1" strike="noStrike">
+              <a:solidFill>
+                <a:srgbClr val="000000"/>
+              </a:solidFill>
+              <a:uFill>
+                <a:solidFill>
+                  <a:srgbClr val="ffffff"/>
+                </a:solidFill>
+              </a:uFill>
+              <a:latin typeface="Arial"/>
+            </a:endParaRPr>
           </a:p>
         </p:txBody>
       </p:sp>
     </p:spTree>
   </p:cSld>
-  <p:clrMapOvr>
-    <a:masterClrMapping/>
-  </p:clrMapOvr>
   <p:timing>
     <p:tnLst>
       <p:par>
-        <p:cTn id="1" dur="indefinite" restart="never" nodeType="tmRoot">
+        <p:cTn id="21" dur="indefinite" restart="never" nodeType="tmRoot">
           <p:childTnLst>
             <p:seq>
-              <p:cTn id="2" nodeType="mainSeq"/>
+              <p:cTn id="22" nodeType="mainSeq"/>
               <p:prevCondLst>
-                <p:cond evt="onPrev" delay="0">
+                <p:cond delay="0" evt="onPrev">
                   <p:tgtEl>
                     <p:sldTgt/>
                   </p:tgtEl>
                 </p:cond>
               </p:prevCondLst>
               <p:nextCondLst>
-                <p:cond evt="onNext" delay="0">
+                <p:cond delay="0" evt="onNext">
                   <p:tgtEl>
                     <p:sldTgt/>
                   </p:tgtEl>
@@ -2268,8 +2336,8 @@
 </p:sld>
 </file>
 
-<file path=ppt/slides/slide5.xml><?xml version="1.0" encoding="utf-8"?>
-<p:sld xmlns:a="http://schemas.openxmlformats.org/drawingml/2006/main" xmlns:r="http://schemas.openxmlformats.org/officeDocument/2006/relationships" xmlns:p="http://schemas.openxmlformats.org/presentationml/2006/main">
+<file path=ppt/slides/slide2.xml><?xml version="1.0" encoding="utf-8"?>
+<p:sld xmlns:a="http://schemas.openxmlformats.org/drawingml/2006/main" xmlns:p="http://schemas.openxmlformats.org/presentationml/2006/main" xmlns:r="http://schemas.openxmlformats.org/officeDocument/2006/relationships" xmlns:p14="http://schemas.microsoft.com/office/powerpoint/2010/main" xmlns:p15="http://schemas.microsoft.com/office/powerpoint/2012/main" xmlns:mc="http://schemas.openxmlformats.org/markup-compatibility/2006">
   <p:cSld>
     <p:spTree>
       <p:nvGrpSpPr>
@@ -2287,14 +2355,14 @@
       </p:grpSpPr>
       <p:sp>
         <p:nvSpPr>
-          <p:cNvPr id="47" name="CustomShape 1"/>
+          <p:cNvPr id="40" name="CustomShape 1"/>
           <p:cNvSpPr/>
           <p:nvPr/>
         </p:nvSpPr>
         <p:spPr>
           <a:xfrm>
             <a:off x="0" y="6493320"/>
-            <a:ext cx="2705040" cy="364680"/>
+            <a:ext cx="3357000" cy="364320"/>
           </a:xfrm>
           <a:prstGeom prst="rect">
             <a:avLst/>
@@ -2304,9 +2372,14 @@
             <a:noFill/>
           </a:ln>
         </p:spPr>
-        <p:txBody>
-          <a:bodyPr wrap="none" lIns="90000" tIns="45000" rIns="90000" bIns="45000"/>
-          <a:lstStyle/>
+        <p:style>
+          <a:lnRef idx="0"/>
+          <a:fillRef idx="0"/>
+          <a:effectRef idx="0"/>
+          <a:fontRef idx="minor"/>
+        </p:style>
+        <p:txBody>
+          <a:bodyPr wrap="none" lIns="90000" rIns="90000" tIns="45000" bIns="45000"/>
           <a:p>
             <a:pPr>
               <a:lnSpc>
@@ -2314,43 +2387,48 @@
               </a:lnSpc>
             </a:pPr>
             <a:r>
-              <a:rPr lang="en-US" dirty="0" err="1">
+              <a:rPr b="0" lang="en-US" sz="1800" spc="-1" strike="noStrike">
                 <a:solidFill>
                   <a:srgbClr val="000000"/>
                 </a:solidFill>
+                <a:uFill>
+                  <a:solidFill>
+                    <a:srgbClr val="ffffff"/>
+                  </a:solidFill>
+                </a:uFill>
                 <a:latin typeface="Calibri"/>
+                <a:ea typeface="DejaVu Sans"/>
               </a:rPr>
-              <a:t>Saltre</a:t>
+              <a:t>Dostal et al. 2013 Eco. Lett.</a:t>
             </a:r>
-            <a:r>
-              <a:rPr lang="en-US" dirty="0">
-                <a:solidFill>
-                  <a:srgbClr val="000000"/>
-                </a:solidFill>
-                <a:latin typeface="Calibri"/>
-              </a:rPr>
-              <a:t> et al. 2013 GEB</a:t>
-            </a:r>
-            <a:endParaRPr dirty="0"/>
+            <a:endParaRPr b="0" lang="en-US" sz="1800" spc="-1" strike="noStrike">
+              <a:solidFill>
+                <a:srgbClr val="000000"/>
+              </a:solidFill>
+              <a:uFill>
+                <a:solidFill>
+                  <a:srgbClr val="ffffff"/>
+                </a:solidFill>
+              </a:uFill>
+              <a:latin typeface="Arial"/>
+            </a:endParaRPr>
           </a:p>
         </p:txBody>
       </p:sp>
       <p:pic>
         <p:nvPicPr>
-          <p:cNvPr id="48" name="Picture 2"/>
+          <p:cNvPr id="41" name="Picture 2" descr=""/>
           <p:cNvPicPr/>
           <p:nvPr/>
         </p:nvPicPr>
         <p:blipFill>
-          <a:blip r:embed="rId2"/>
-          <a:stretch>
-            <a:fillRect/>
-          </a:stretch>
+          <a:blip r:embed="rId1"/>
+          <a:stretch/>
         </p:blipFill>
         <p:spPr>
           <a:xfrm>
-            <a:off x="914400" y="228600"/>
-            <a:ext cx="7238520" cy="6197400"/>
+            <a:off x="2514600" y="1143000"/>
+            <a:ext cx="4333320" cy="4180680"/>
           </a:xfrm>
           <a:prstGeom prst="rect">
             <a:avLst/>
@@ -2362,25 +2440,22 @@
       </p:pic>
     </p:spTree>
   </p:cSld>
-  <p:clrMapOvr>
-    <a:masterClrMapping/>
-  </p:clrMapOvr>
   <p:timing>
     <p:tnLst>
       <p:par>
-        <p:cTn id="1" dur="indefinite" restart="never" nodeType="tmRoot">
+        <p:cTn id="3" dur="indefinite" restart="never" nodeType="tmRoot">
           <p:childTnLst>
             <p:seq>
-              <p:cTn id="2" nodeType="mainSeq"/>
+              <p:cTn id="4" nodeType="mainSeq"/>
               <p:prevCondLst>
-                <p:cond evt="onPrev" delay="0">
+                <p:cond delay="0" evt="onPrev">
                   <p:tgtEl>
                     <p:sldTgt/>
                   </p:tgtEl>
                 </p:cond>
               </p:prevCondLst>
               <p:nextCondLst>
-                <p:cond evt="onNext" delay="0">
+                <p:cond delay="0" evt="onNext">
                   <p:tgtEl>
                     <p:sldTgt/>
                   </p:tgtEl>
@@ -2395,8 +2470,142 @@
 </p:sld>
 </file>
 
-<file path=ppt/slides/slide6.xml><?xml version="1.0" encoding="utf-8"?>
-<p:sld xmlns:a="http://schemas.openxmlformats.org/drawingml/2006/main" xmlns:r="http://schemas.openxmlformats.org/officeDocument/2006/relationships" xmlns:p="http://schemas.openxmlformats.org/presentationml/2006/main">
+<file path=ppt/slides/slide3.xml><?xml version="1.0" encoding="utf-8"?>
+<p:sld xmlns:a="http://schemas.openxmlformats.org/drawingml/2006/main" xmlns:p="http://schemas.openxmlformats.org/presentationml/2006/main" xmlns:r="http://schemas.openxmlformats.org/officeDocument/2006/relationships" xmlns:p14="http://schemas.microsoft.com/office/powerpoint/2010/main" xmlns:p15="http://schemas.microsoft.com/office/powerpoint/2012/main" xmlns:mc="http://schemas.openxmlformats.org/markup-compatibility/2006">
+  <p:cSld>
+    <p:spTree>
+      <p:nvGrpSpPr>
+        <p:cNvPr id="1" name=""/>
+        <p:cNvGrpSpPr/>
+        <p:nvPr/>
+      </p:nvGrpSpPr>
+      <p:grpSpPr>
+        <a:xfrm>
+          <a:off x="0" y="0"/>
+          <a:ext cx="0" cy="0"/>
+          <a:chOff x="0" y="0"/>
+          <a:chExt cx="0" cy="0"/>
+        </a:xfrm>
+      </p:grpSpPr>
+      <p:sp>
+        <p:nvSpPr>
+          <p:cNvPr id="42" name="CustomShape 1"/>
+          <p:cNvSpPr/>
+          <p:nvPr/>
+        </p:nvSpPr>
+        <p:spPr>
+          <a:xfrm>
+            <a:off x="0" y="6488640"/>
+            <a:ext cx="5325840" cy="364320"/>
+          </a:xfrm>
+          <a:prstGeom prst="rect">
+            <a:avLst/>
+          </a:prstGeom>
+          <a:noFill/>
+          <a:ln>
+            <a:noFill/>
+          </a:ln>
+        </p:spPr>
+        <p:style>
+          <a:lnRef idx="0"/>
+          <a:fillRef idx="0"/>
+          <a:effectRef idx="0"/>
+          <a:fontRef idx="minor"/>
+        </p:style>
+        <p:txBody>
+          <a:bodyPr wrap="none" lIns="90000" rIns="90000" tIns="45000" bIns="45000"/>
+          <a:p>
+            <a:pPr>
+              <a:lnSpc>
+                <a:spcPct val="100000"/>
+              </a:lnSpc>
+            </a:pPr>
+            <a:r>
+              <a:rPr b="0" lang="en-US" sz="1800" spc="-1" strike="noStrike">
+                <a:solidFill>
+                  <a:srgbClr val="000000"/>
+                </a:solidFill>
+                <a:uFill>
+                  <a:solidFill>
+                    <a:srgbClr val="ffffff"/>
+                  </a:solidFill>
+                </a:uFill>
+                <a:latin typeface="Calibri"/>
+                <a:ea typeface="DejaVu Sans"/>
+              </a:rPr>
+              <a:t>Belshe, Schurr &amp; Bolker et al. 2013 Eco. Lett.</a:t>
+            </a:r>
+            <a:endParaRPr b="0" lang="en-US" sz="1800" spc="-1" strike="noStrike">
+              <a:solidFill>
+                <a:srgbClr val="000000"/>
+              </a:solidFill>
+              <a:uFill>
+                <a:solidFill>
+                  <a:srgbClr val="ffffff"/>
+                </a:solidFill>
+              </a:uFill>
+              <a:latin typeface="Arial"/>
+            </a:endParaRPr>
+          </a:p>
+        </p:txBody>
+      </p:sp>
+      <p:pic>
+        <p:nvPicPr>
+          <p:cNvPr id="43" name="Picture 3" descr=""/>
+          <p:cNvPicPr/>
+          <p:nvPr/>
+        </p:nvPicPr>
+        <p:blipFill>
+          <a:blip r:embed="rId1"/>
+          <a:stretch/>
+        </p:blipFill>
+        <p:spPr>
+          <a:xfrm>
+            <a:off x="1828800" y="0"/>
+            <a:ext cx="4571280" cy="6519600"/>
+          </a:xfrm>
+          <a:prstGeom prst="rect">
+            <a:avLst/>
+          </a:prstGeom>
+          <a:ln w="9360">
+            <a:noFill/>
+          </a:ln>
+        </p:spPr>
+      </p:pic>
+    </p:spTree>
+  </p:cSld>
+  <p:timing>
+    <p:tnLst>
+      <p:par>
+        <p:cTn id="5" dur="indefinite" restart="never" nodeType="tmRoot">
+          <p:childTnLst>
+            <p:seq>
+              <p:cTn id="6" nodeType="mainSeq"/>
+              <p:prevCondLst>
+                <p:cond delay="0" evt="onPrev">
+                  <p:tgtEl>
+                    <p:sldTgt/>
+                  </p:tgtEl>
+                </p:cond>
+              </p:prevCondLst>
+              <p:nextCondLst>
+                <p:cond delay="0" evt="onNext">
+                  <p:tgtEl>
+                    <p:sldTgt/>
+                  </p:tgtEl>
+                </p:cond>
+              </p:nextCondLst>
+            </p:seq>
+          </p:childTnLst>
+        </p:cTn>
+      </p:par>
+    </p:tnLst>
+  </p:timing>
+</p:sld>
+</file>
+
+<file path=ppt/slides/slide4.xml><?xml version="1.0" encoding="utf-8"?>
+<p:sld xmlns:a="http://schemas.openxmlformats.org/drawingml/2006/main" xmlns:p="http://schemas.openxmlformats.org/presentationml/2006/main" xmlns:r="http://schemas.openxmlformats.org/officeDocument/2006/relationships" xmlns:p14="http://schemas.microsoft.com/office/powerpoint/2010/main" xmlns:p15="http://schemas.microsoft.com/office/powerpoint/2012/main" xmlns:mc="http://schemas.openxmlformats.org/markup-compatibility/2006">
   <p:cSld>
     <p:spTree>
       <p:nvGrpSpPr>
@@ -2414,40 +2623,37 @@
       </p:grpSpPr>
       <p:pic>
         <p:nvPicPr>
-          <p:cNvPr id="49" name="Picture 2"/>
+          <p:cNvPr id="44" name="Picture 2" descr=""/>
           <p:cNvPicPr/>
           <p:nvPr/>
         </p:nvPicPr>
         <p:blipFill>
-          <a:blip r:embed="rId2"/>
-          <a:srcRect t="35116"/>
-          <a:stretch>
-            <a:fillRect/>
-          </a:stretch>
+          <a:blip r:embed="rId1"/>
+          <a:stretch/>
         </p:blipFill>
         <p:spPr>
           <a:xfrm>
-            <a:off x="914400" y="380880"/>
-            <a:ext cx="6857640" cy="6288480"/>
-          </a:xfrm>
-          <a:prstGeom prst="rect">
-            <a:avLst/>
-          </a:prstGeom>
-          <a:ln>
+            <a:off x="990720" y="228600"/>
+            <a:ext cx="6894000" cy="6019200"/>
+          </a:xfrm>
+          <a:prstGeom prst="rect">
+            <a:avLst/>
+          </a:prstGeom>
+          <a:ln w="9360">
             <a:noFill/>
           </a:ln>
         </p:spPr>
       </p:pic>
       <p:sp>
         <p:nvSpPr>
-          <p:cNvPr id="50" name="CustomShape 1"/>
+          <p:cNvPr id="45" name="CustomShape 1"/>
           <p:cNvSpPr/>
           <p:nvPr/>
         </p:nvSpPr>
         <p:spPr>
           <a:xfrm>
             <a:off x="0" y="6488640"/>
-            <a:ext cx="2954880" cy="364680"/>
+            <a:ext cx="4394520" cy="364320"/>
           </a:xfrm>
           <a:prstGeom prst="rect">
             <a:avLst/>
@@ -2457,9 +2663,14 @@
             <a:noFill/>
           </a:ln>
         </p:spPr>
-        <p:txBody>
-          <a:bodyPr wrap="none" lIns="90000" tIns="45000" rIns="90000" bIns="45000"/>
-          <a:lstStyle/>
+        <p:style>
+          <a:lnRef idx="0"/>
+          <a:fillRef idx="0"/>
+          <a:effectRef idx="0"/>
+          <a:fontRef idx="minor"/>
+        </p:style>
+        <p:txBody>
+          <a:bodyPr wrap="none" lIns="90000" rIns="90000" tIns="45000" bIns="45000"/>
           <a:p>
             <a:pPr>
               <a:lnSpc>
@@ -2467,39 +2678,52 @@
               </a:lnSpc>
             </a:pPr>
             <a:r>
-              <a:rPr lang="en-US" dirty="0">
+              <a:rPr b="0" lang="en-US" sz="1800" spc="-1" strike="noStrike">
                 <a:solidFill>
                   <a:srgbClr val="000000"/>
                 </a:solidFill>
+                <a:uFill>
+                  <a:solidFill>
+                    <a:srgbClr val="ffffff"/>
+                  </a:solidFill>
+                </a:uFill>
                 <a:latin typeface="Calibri"/>
+                <a:ea typeface="DejaVu Sans"/>
               </a:rPr>
-              <a:t>Bhatt et al. 2013 Nature</a:t>
+              <a:t>Morueta-Holme et al. 2013 Eco. Lett.</a:t>
             </a:r>
-            <a:endParaRPr dirty="0"/>
+            <a:endParaRPr b="0" lang="en-US" sz="1800" spc="-1" strike="noStrike">
+              <a:solidFill>
+                <a:srgbClr val="000000"/>
+              </a:solidFill>
+              <a:uFill>
+                <a:solidFill>
+                  <a:srgbClr val="ffffff"/>
+                </a:solidFill>
+              </a:uFill>
+              <a:latin typeface="Arial"/>
+            </a:endParaRPr>
           </a:p>
         </p:txBody>
       </p:sp>
     </p:spTree>
   </p:cSld>
-  <p:clrMapOvr>
-    <a:masterClrMapping/>
-  </p:clrMapOvr>
   <p:timing>
     <p:tnLst>
       <p:par>
-        <p:cTn id="1" dur="indefinite" restart="never" nodeType="tmRoot">
+        <p:cTn id="7" dur="indefinite" restart="never" nodeType="tmRoot">
           <p:childTnLst>
             <p:seq>
-              <p:cTn id="2" nodeType="mainSeq"/>
+              <p:cTn id="8" nodeType="mainSeq"/>
               <p:prevCondLst>
-                <p:cond evt="onPrev" delay="0">
+                <p:cond delay="0" evt="onPrev">
                   <p:tgtEl>
                     <p:sldTgt/>
                   </p:tgtEl>
                 </p:cond>
               </p:prevCondLst>
               <p:nextCondLst>
-                <p:cond evt="onNext" delay="0">
+                <p:cond delay="0" evt="onNext">
                   <p:tgtEl>
                     <p:sldTgt/>
                   </p:tgtEl>
@@ -2514,8 +2738,142 @@
 </p:sld>
 </file>
 
-<file path=ppt/slides/slide7.xml><?xml version="1.0" encoding="utf-8"?>
-<p:sld xmlns:a="http://schemas.openxmlformats.org/drawingml/2006/main" xmlns:r="http://schemas.openxmlformats.org/officeDocument/2006/relationships" xmlns:p="http://schemas.openxmlformats.org/presentationml/2006/main">
+<file path=ppt/slides/slide5.xml><?xml version="1.0" encoding="utf-8"?>
+<p:sld xmlns:a="http://schemas.openxmlformats.org/drawingml/2006/main" xmlns:p="http://schemas.openxmlformats.org/presentationml/2006/main" xmlns:r="http://schemas.openxmlformats.org/officeDocument/2006/relationships" xmlns:p14="http://schemas.microsoft.com/office/powerpoint/2010/main" xmlns:p15="http://schemas.microsoft.com/office/powerpoint/2012/main" xmlns:mc="http://schemas.openxmlformats.org/markup-compatibility/2006">
+  <p:cSld>
+    <p:spTree>
+      <p:nvGrpSpPr>
+        <p:cNvPr id="1" name=""/>
+        <p:cNvGrpSpPr/>
+        <p:nvPr/>
+      </p:nvGrpSpPr>
+      <p:grpSpPr>
+        <a:xfrm>
+          <a:off x="0" y="0"/>
+          <a:ext cx="0" cy="0"/>
+          <a:chOff x="0" y="0"/>
+          <a:chExt cx="0" cy="0"/>
+        </a:xfrm>
+      </p:grpSpPr>
+      <p:sp>
+        <p:nvSpPr>
+          <p:cNvPr id="46" name="CustomShape 1"/>
+          <p:cNvSpPr/>
+          <p:nvPr/>
+        </p:nvSpPr>
+        <p:spPr>
+          <a:xfrm>
+            <a:off x="0" y="6493320"/>
+            <a:ext cx="2704680" cy="364320"/>
+          </a:xfrm>
+          <a:prstGeom prst="rect">
+            <a:avLst/>
+          </a:prstGeom>
+          <a:noFill/>
+          <a:ln>
+            <a:noFill/>
+          </a:ln>
+        </p:spPr>
+        <p:style>
+          <a:lnRef idx="0"/>
+          <a:fillRef idx="0"/>
+          <a:effectRef idx="0"/>
+          <a:fontRef idx="minor"/>
+        </p:style>
+        <p:txBody>
+          <a:bodyPr wrap="none" lIns="90000" rIns="90000" tIns="45000" bIns="45000"/>
+          <a:p>
+            <a:pPr>
+              <a:lnSpc>
+                <a:spcPct val="100000"/>
+              </a:lnSpc>
+            </a:pPr>
+            <a:r>
+              <a:rPr b="0" lang="en-US" sz="1800" spc="-1" strike="noStrike">
+                <a:solidFill>
+                  <a:srgbClr val="000000"/>
+                </a:solidFill>
+                <a:uFill>
+                  <a:solidFill>
+                    <a:srgbClr val="ffffff"/>
+                  </a:solidFill>
+                </a:uFill>
+                <a:latin typeface="Calibri"/>
+                <a:ea typeface="DejaVu Sans"/>
+              </a:rPr>
+              <a:t>Saltre et al. 2013 GEB</a:t>
+            </a:r>
+            <a:endParaRPr b="0" lang="en-US" sz="1800" spc="-1" strike="noStrike">
+              <a:solidFill>
+                <a:srgbClr val="000000"/>
+              </a:solidFill>
+              <a:uFill>
+                <a:solidFill>
+                  <a:srgbClr val="ffffff"/>
+                </a:solidFill>
+              </a:uFill>
+              <a:latin typeface="Arial"/>
+            </a:endParaRPr>
+          </a:p>
+        </p:txBody>
+      </p:sp>
+      <p:pic>
+        <p:nvPicPr>
+          <p:cNvPr id="47" name="Picture 2" descr=""/>
+          <p:cNvPicPr/>
+          <p:nvPr/>
+        </p:nvPicPr>
+        <p:blipFill>
+          <a:blip r:embed="rId1"/>
+          <a:stretch/>
+        </p:blipFill>
+        <p:spPr>
+          <a:xfrm>
+            <a:off x="914400" y="228600"/>
+            <a:ext cx="7238160" cy="6197040"/>
+          </a:xfrm>
+          <a:prstGeom prst="rect">
+            <a:avLst/>
+          </a:prstGeom>
+          <a:ln w="9360">
+            <a:noFill/>
+          </a:ln>
+        </p:spPr>
+      </p:pic>
+    </p:spTree>
+  </p:cSld>
+  <p:timing>
+    <p:tnLst>
+      <p:par>
+        <p:cTn id="9" dur="indefinite" restart="never" nodeType="tmRoot">
+          <p:childTnLst>
+            <p:seq>
+              <p:cTn id="10" nodeType="mainSeq"/>
+              <p:prevCondLst>
+                <p:cond delay="0" evt="onPrev">
+                  <p:tgtEl>
+                    <p:sldTgt/>
+                  </p:tgtEl>
+                </p:cond>
+              </p:prevCondLst>
+              <p:nextCondLst>
+                <p:cond delay="0" evt="onNext">
+                  <p:tgtEl>
+                    <p:sldTgt/>
+                  </p:tgtEl>
+                </p:cond>
+              </p:nextCondLst>
+            </p:seq>
+          </p:childTnLst>
+        </p:cTn>
+      </p:par>
+    </p:tnLst>
+  </p:timing>
+</p:sld>
+</file>
+
+<file path=ppt/slides/slide6.xml><?xml version="1.0" encoding="utf-8"?>
+<p:sld xmlns:a="http://schemas.openxmlformats.org/drawingml/2006/main" xmlns:p="http://schemas.openxmlformats.org/presentationml/2006/main" xmlns:r="http://schemas.openxmlformats.org/officeDocument/2006/relationships" xmlns:p14="http://schemas.microsoft.com/office/powerpoint/2010/main" xmlns:p15="http://schemas.microsoft.com/office/powerpoint/2012/main" xmlns:mc="http://schemas.openxmlformats.org/markup-compatibility/2006">
   <p:cSld>
     <p:spTree>
       <p:nvGrpSpPr>
@@ -2533,64 +2891,38 @@
       </p:grpSpPr>
       <p:pic>
         <p:nvPicPr>
-          <p:cNvPr id="51" name="Picture 3"/>
+          <p:cNvPr id="48" name="Picture 2" descr=""/>
           <p:cNvPicPr/>
           <p:nvPr/>
         </p:nvPicPr>
         <p:blipFill>
-          <a:blip r:embed="rId2"/>
-          <a:stretch>
-            <a:fillRect/>
-          </a:stretch>
+          <a:blip r:embed="rId1"/>
+          <a:srcRect l="0" t="35116" r="0" b="0"/>
+          <a:stretch/>
         </p:blipFill>
         <p:spPr>
           <a:xfrm>
-            <a:off x="762120" y="0"/>
-            <a:ext cx="7314840" cy="2952360"/>
-          </a:xfrm>
-          <a:prstGeom prst="rect">
-            <a:avLst/>
-          </a:prstGeom>
-          <a:ln w="9360">
+            <a:off x="914400" y="380880"/>
+            <a:ext cx="6857280" cy="6288120"/>
+          </a:xfrm>
+          <a:prstGeom prst="rect">
+            <a:avLst/>
+          </a:prstGeom>
+          <a:ln>
             <a:noFill/>
           </a:ln>
         </p:spPr>
       </p:pic>
-      <p:pic>
-        <p:nvPicPr>
-          <p:cNvPr id="52" name="Picture 4"/>
-          <p:cNvPicPr/>
-          <p:nvPr/>
-        </p:nvPicPr>
-        <p:blipFill>
-          <a:blip r:embed="rId3"/>
-          <a:stretch>
-            <a:fillRect/>
-          </a:stretch>
-        </p:blipFill>
-        <p:spPr>
-          <a:xfrm>
-            <a:off x="3586320" y="2895480"/>
-            <a:ext cx="3804480" cy="3885840"/>
-          </a:xfrm>
-          <a:prstGeom prst="rect">
-            <a:avLst/>
-          </a:prstGeom>
-          <a:ln w="9360">
-            <a:noFill/>
-          </a:ln>
-        </p:spPr>
-      </p:pic>
-      <p:sp>
-        <p:nvSpPr>
-          <p:cNvPr id="53" name="CustomShape 1"/>
+      <p:sp>
+        <p:nvSpPr>
+          <p:cNvPr id="49" name="CustomShape 1"/>
           <p:cNvSpPr/>
           <p:nvPr/>
         </p:nvSpPr>
         <p:spPr>
           <a:xfrm>
-            <a:off x="-4320" y="6493320"/>
-            <a:ext cx="2566080" cy="364680"/>
+            <a:off x="0" y="6488640"/>
+            <a:ext cx="2954520" cy="364320"/>
           </a:xfrm>
           <a:prstGeom prst="rect">
             <a:avLst/>
@@ -2600,9 +2932,14 @@
             <a:noFill/>
           </a:ln>
         </p:spPr>
-        <p:txBody>
-          <a:bodyPr wrap="none" lIns="90000" tIns="45000" rIns="90000" bIns="45000"/>
-          <a:lstStyle/>
+        <p:style>
+          <a:lnRef idx="0"/>
+          <a:fillRef idx="0"/>
+          <a:effectRef idx="0"/>
+          <a:fontRef idx="minor"/>
+        </p:style>
+        <p:txBody>
+          <a:bodyPr wrap="none" lIns="90000" rIns="90000" tIns="45000" bIns="45000"/>
           <a:p>
             <a:pPr>
               <a:lnSpc>
@@ -2610,39 +2947,209 @@
               </a:lnSpc>
             </a:pPr>
             <a:r>
-              <a:rPr lang="en-US" dirty="0">
+              <a:rPr b="0" lang="en-US" sz="1800" spc="-1" strike="noStrike">
                 <a:solidFill>
                   <a:srgbClr val="000000"/>
                 </a:solidFill>
+                <a:uFill>
+                  <a:solidFill>
+                    <a:srgbClr val="ffffff"/>
+                  </a:solidFill>
+                </a:uFill>
                 <a:latin typeface="Calibri"/>
+                <a:ea typeface="DejaVu Sans"/>
               </a:rPr>
-              <a:t>Qian et al. 2013 GEB</a:t>
+              <a:t>Bhatt et al. 2013 Nature</a:t>
             </a:r>
-            <a:endParaRPr dirty="0"/>
+            <a:endParaRPr b="0" lang="en-US" sz="1800" spc="-1" strike="noStrike">
+              <a:solidFill>
+                <a:srgbClr val="000000"/>
+              </a:solidFill>
+              <a:uFill>
+                <a:solidFill>
+                  <a:srgbClr val="ffffff"/>
+                </a:solidFill>
+              </a:uFill>
+              <a:latin typeface="Arial"/>
+            </a:endParaRPr>
           </a:p>
         </p:txBody>
       </p:sp>
     </p:spTree>
   </p:cSld>
-  <p:clrMapOvr>
-    <a:masterClrMapping/>
-  </p:clrMapOvr>
   <p:timing>
     <p:tnLst>
       <p:par>
-        <p:cTn id="1" dur="indefinite" restart="never" nodeType="tmRoot">
+        <p:cTn id="11" dur="indefinite" restart="never" nodeType="tmRoot">
           <p:childTnLst>
             <p:seq>
-              <p:cTn id="2" nodeType="mainSeq"/>
+              <p:cTn id="12" nodeType="mainSeq"/>
               <p:prevCondLst>
-                <p:cond evt="onPrev" delay="0">
+                <p:cond delay="0" evt="onPrev">
                   <p:tgtEl>
                     <p:sldTgt/>
                   </p:tgtEl>
                 </p:cond>
               </p:prevCondLst>
               <p:nextCondLst>
-                <p:cond evt="onNext" delay="0">
+                <p:cond delay="0" evt="onNext">
+                  <p:tgtEl>
+                    <p:sldTgt/>
+                  </p:tgtEl>
+                </p:cond>
+              </p:nextCondLst>
+            </p:seq>
+          </p:childTnLst>
+        </p:cTn>
+      </p:par>
+    </p:tnLst>
+  </p:timing>
+</p:sld>
+</file>
+
+<file path=ppt/slides/slide7.xml><?xml version="1.0" encoding="utf-8"?>
+<p:sld xmlns:a="http://schemas.openxmlformats.org/drawingml/2006/main" xmlns:p="http://schemas.openxmlformats.org/presentationml/2006/main" xmlns:r="http://schemas.openxmlformats.org/officeDocument/2006/relationships" xmlns:p14="http://schemas.microsoft.com/office/powerpoint/2010/main" xmlns:p15="http://schemas.microsoft.com/office/powerpoint/2012/main" xmlns:mc="http://schemas.openxmlformats.org/markup-compatibility/2006">
+  <p:cSld>
+    <p:spTree>
+      <p:nvGrpSpPr>
+        <p:cNvPr id="1" name=""/>
+        <p:cNvGrpSpPr/>
+        <p:nvPr/>
+      </p:nvGrpSpPr>
+      <p:grpSpPr>
+        <a:xfrm>
+          <a:off x="0" y="0"/>
+          <a:ext cx="0" cy="0"/>
+          <a:chOff x="0" y="0"/>
+          <a:chExt cx="0" cy="0"/>
+        </a:xfrm>
+      </p:grpSpPr>
+      <p:pic>
+        <p:nvPicPr>
+          <p:cNvPr id="50" name="Picture 3" descr=""/>
+          <p:cNvPicPr/>
+          <p:nvPr/>
+        </p:nvPicPr>
+        <p:blipFill>
+          <a:blip r:embed="rId1"/>
+          <a:stretch/>
+        </p:blipFill>
+        <p:spPr>
+          <a:xfrm>
+            <a:off x="762120" y="0"/>
+            <a:ext cx="7314480" cy="2952000"/>
+          </a:xfrm>
+          <a:prstGeom prst="rect">
+            <a:avLst/>
+          </a:prstGeom>
+          <a:ln w="9360">
+            <a:noFill/>
+          </a:ln>
+        </p:spPr>
+      </p:pic>
+      <p:pic>
+        <p:nvPicPr>
+          <p:cNvPr id="51" name="Picture 4" descr=""/>
+          <p:cNvPicPr/>
+          <p:nvPr/>
+        </p:nvPicPr>
+        <p:blipFill>
+          <a:blip r:embed="rId2"/>
+          <a:stretch/>
+        </p:blipFill>
+        <p:spPr>
+          <a:xfrm>
+            <a:off x="3586320" y="2895480"/>
+            <a:ext cx="3804120" cy="3885480"/>
+          </a:xfrm>
+          <a:prstGeom prst="rect">
+            <a:avLst/>
+          </a:prstGeom>
+          <a:ln w="9360">
+            <a:noFill/>
+          </a:ln>
+        </p:spPr>
+      </p:pic>
+      <p:sp>
+        <p:nvSpPr>
+          <p:cNvPr id="52" name="CustomShape 1"/>
+          <p:cNvSpPr/>
+          <p:nvPr/>
+        </p:nvSpPr>
+        <p:spPr>
+          <a:xfrm>
+            <a:off x="-4320" y="6493320"/>
+            <a:ext cx="2565720" cy="364320"/>
+          </a:xfrm>
+          <a:prstGeom prst="rect">
+            <a:avLst/>
+          </a:prstGeom>
+          <a:noFill/>
+          <a:ln>
+            <a:noFill/>
+          </a:ln>
+        </p:spPr>
+        <p:style>
+          <a:lnRef idx="0"/>
+          <a:fillRef idx="0"/>
+          <a:effectRef idx="0"/>
+          <a:fontRef idx="minor"/>
+        </p:style>
+        <p:txBody>
+          <a:bodyPr wrap="none" lIns="90000" rIns="90000" tIns="45000" bIns="45000"/>
+          <a:p>
+            <a:pPr>
+              <a:lnSpc>
+                <a:spcPct val="100000"/>
+              </a:lnSpc>
+            </a:pPr>
+            <a:r>
+              <a:rPr b="0" lang="en-US" sz="1800" spc="-1" strike="noStrike">
+                <a:solidFill>
+                  <a:srgbClr val="000000"/>
+                </a:solidFill>
+                <a:uFill>
+                  <a:solidFill>
+                    <a:srgbClr val="ffffff"/>
+                  </a:solidFill>
+                </a:uFill>
+                <a:latin typeface="Calibri"/>
+                <a:ea typeface="DejaVu Sans"/>
+              </a:rPr>
+              <a:t>Qian et al. 2013 GEB</a:t>
+            </a:r>
+            <a:endParaRPr b="0" lang="en-US" sz="1800" spc="-1" strike="noStrike">
+              <a:solidFill>
+                <a:srgbClr val="000000"/>
+              </a:solidFill>
+              <a:uFill>
+                <a:solidFill>
+                  <a:srgbClr val="ffffff"/>
+                </a:solidFill>
+              </a:uFill>
+              <a:latin typeface="Arial"/>
+            </a:endParaRPr>
+          </a:p>
+        </p:txBody>
+      </p:sp>
+    </p:spTree>
+  </p:cSld>
+  <p:timing>
+    <p:tnLst>
+      <p:par>
+        <p:cTn id="13" dur="indefinite" restart="never" nodeType="tmRoot">
+          <p:childTnLst>
+            <p:seq>
+              <p:cTn id="14" nodeType="mainSeq"/>
+              <p:prevCondLst>
+                <p:cond delay="0" evt="onPrev">
+                  <p:tgtEl>
+                    <p:sldTgt/>
+                  </p:tgtEl>
+                </p:cond>
+              </p:prevCondLst>
+              <p:nextCondLst>
+                <p:cond delay="0" evt="onNext">
                   <p:tgtEl>
                     <p:sldTgt/>
                   </p:tgtEl>
@@ -2658,7 +3165,7 @@
 </file>
 
 <file path=ppt/slides/slide8.xml><?xml version="1.0" encoding="utf-8"?>
-<p:sld xmlns:a="http://schemas.openxmlformats.org/drawingml/2006/main" xmlns:r="http://schemas.openxmlformats.org/officeDocument/2006/relationships" xmlns:p="http://schemas.openxmlformats.org/presentationml/2006/main">
+<p:sld xmlns:a="http://schemas.openxmlformats.org/drawingml/2006/main" xmlns:p="http://schemas.openxmlformats.org/presentationml/2006/main" xmlns:r="http://schemas.openxmlformats.org/officeDocument/2006/relationships" xmlns:p14="http://schemas.microsoft.com/office/powerpoint/2010/main" xmlns:p15="http://schemas.microsoft.com/office/powerpoint/2012/main" xmlns:mc="http://schemas.openxmlformats.org/markup-compatibility/2006">
   <p:cSld>
     <p:spTree>
       <p:nvGrpSpPr>
@@ -2676,14 +3183,14 @@
       </p:grpSpPr>
       <p:sp>
         <p:nvSpPr>
-          <p:cNvPr id="54" name="CustomShape 1"/>
+          <p:cNvPr id="53" name="CustomShape 1"/>
           <p:cNvSpPr/>
           <p:nvPr/>
         </p:nvSpPr>
         <p:spPr>
           <a:xfrm>
             <a:off x="0" y="6493320"/>
-            <a:ext cx="3296160" cy="364680"/>
+            <a:ext cx="3295800" cy="364320"/>
           </a:xfrm>
           <a:prstGeom prst="rect">
             <a:avLst/>
@@ -2693,9 +3200,14 @@
             <a:noFill/>
           </a:ln>
         </p:spPr>
-        <p:txBody>
-          <a:bodyPr wrap="none" lIns="90000" tIns="45000" rIns="90000" bIns="45000"/>
-          <a:lstStyle/>
+        <p:style>
+          <a:lnRef idx="0"/>
+          <a:fillRef idx="0"/>
+          <a:effectRef idx="0"/>
+          <a:fontRef idx="minor"/>
+        </p:style>
+        <p:txBody>
+          <a:bodyPr wrap="none" lIns="90000" rIns="90000" tIns="45000" bIns="45000"/>
           <a:p>
             <a:pPr>
               <a:lnSpc>
@@ -2703,43 +3215,48 @@
               </a:lnSpc>
             </a:pPr>
             <a:r>
-              <a:rPr lang="en-US" dirty="0" err="1">
+              <a:rPr b="0" lang="en-US" sz="1800" spc="-1" strike="noStrike">
                 <a:solidFill>
                   <a:srgbClr val="000000"/>
                 </a:solidFill>
+                <a:uFill>
+                  <a:solidFill>
+                    <a:srgbClr val="ffffff"/>
+                  </a:solidFill>
+                </a:uFill>
                 <a:latin typeface="Calibri"/>
+                <a:ea typeface="DejaVu Sans"/>
               </a:rPr>
-              <a:t>Vanderwell</a:t>
+              <a:t>Vanderwell et al. 2013 GEB</a:t>
             </a:r>
-            <a:r>
-              <a:rPr lang="en-US" dirty="0">
-                <a:solidFill>
-                  <a:srgbClr val="000000"/>
-                </a:solidFill>
-                <a:latin typeface="Calibri"/>
-              </a:rPr>
-              <a:t> et al. 2013 GEB</a:t>
-            </a:r>
-            <a:endParaRPr dirty="0"/>
+            <a:endParaRPr b="0" lang="en-US" sz="1800" spc="-1" strike="noStrike">
+              <a:solidFill>
+                <a:srgbClr val="000000"/>
+              </a:solidFill>
+              <a:uFill>
+                <a:solidFill>
+                  <a:srgbClr val="ffffff"/>
+                </a:solidFill>
+              </a:uFill>
+              <a:latin typeface="Arial"/>
+            </a:endParaRPr>
           </a:p>
         </p:txBody>
       </p:sp>
       <p:pic>
         <p:nvPicPr>
-          <p:cNvPr id="55" name="Picture 2"/>
+          <p:cNvPr id="54" name="Picture 2" descr=""/>
           <p:cNvPicPr/>
           <p:nvPr/>
         </p:nvPicPr>
         <p:blipFill>
-          <a:blip r:embed="rId2"/>
-          <a:stretch>
-            <a:fillRect/>
-          </a:stretch>
+          <a:blip r:embed="rId1"/>
+          <a:stretch/>
         </p:blipFill>
         <p:spPr>
           <a:xfrm>
             <a:off x="533520" y="457200"/>
-            <a:ext cx="8076960" cy="5699880"/>
+            <a:ext cx="8076600" cy="5699520"/>
           </a:xfrm>
           <a:prstGeom prst="rect">
             <a:avLst/>
@@ -2751,25 +3268,150 @@
       </p:pic>
     </p:spTree>
   </p:cSld>
-  <p:clrMapOvr>
-    <a:masterClrMapping/>
-  </p:clrMapOvr>
   <p:timing>
     <p:tnLst>
       <p:par>
-        <p:cTn id="1" dur="indefinite" restart="never" nodeType="tmRoot">
+        <p:cTn id="15" dur="indefinite" restart="never" nodeType="tmRoot">
           <p:childTnLst>
             <p:seq>
-              <p:cTn id="2" nodeType="mainSeq"/>
+              <p:cTn id="16" nodeType="mainSeq"/>
               <p:prevCondLst>
-                <p:cond evt="onPrev" delay="0">
+                <p:cond delay="0" evt="onPrev">
                   <p:tgtEl>
                     <p:sldTgt/>
                   </p:tgtEl>
                 </p:cond>
               </p:prevCondLst>
               <p:nextCondLst>
-                <p:cond evt="onNext" delay="0">
+                <p:cond delay="0" evt="onNext">
+                  <p:tgtEl>
+                    <p:sldTgt/>
+                  </p:tgtEl>
+                </p:cond>
+              </p:nextCondLst>
+            </p:seq>
+          </p:childTnLst>
+        </p:cTn>
+      </p:par>
+    </p:tnLst>
+  </p:timing>
+</p:sld>
+</file>
+
+<file path=ppt/slides/slide9.xml><?xml version="1.0" encoding="utf-8"?>
+<p:sld xmlns:a="http://schemas.openxmlformats.org/drawingml/2006/main" xmlns:p="http://schemas.openxmlformats.org/presentationml/2006/main" xmlns:r="http://schemas.openxmlformats.org/officeDocument/2006/relationships" xmlns:p14="http://schemas.microsoft.com/office/powerpoint/2010/main" xmlns:p15="http://schemas.microsoft.com/office/powerpoint/2012/main" xmlns:mc="http://schemas.openxmlformats.org/markup-compatibility/2006">
+  <p:cSld>
+    <p:spTree>
+      <p:nvGrpSpPr>
+        <p:cNvPr id="1" name=""/>
+        <p:cNvGrpSpPr/>
+        <p:nvPr/>
+      </p:nvGrpSpPr>
+      <p:grpSpPr>
+        <a:xfrm>
+          <a:off x="0" y="0"/>
+          <a:ext cx="0" cy="0"/>
+          <a:chOff x="0" y="0"/>
+          <a:chExt cx="0" cy="0"/>
+        </a:xfrm>
+      </p:grpSpPr>
+      <p:pic>
+        <p:nvPicPr>
+          <p:cNvPr id="55" name="" descr=""/>
+          <p:cNvPicPr/>
+          <p:nvPr/>
+        </p:nvPicPr>
+        <p:blipFill>
+          <a:blip r:embed="rId1"/>
+          <a:stretch/>
+        </p:blipFill>
+        <p:spPr>
+          <a:xfrm>
+            <a:off x="1171440" y="0"/>
+            <a:ext cx="6894360" cy="6857640"/>
+          </a:xfrm>
+          <a:prstGeom prst="rect">
+            <a:avLst/>
+          </a:prstGeom>
+          <a:ln>
+            <a:noFill/>
+          </a:ln>
+        </p:spPr>
+      </p:pic>
+      <p:sp>
+        <p:nvSpPr>
+          <p:cNvPr id="56" name="TextShape 1"/>
+          <p:cNvSpPr txBox="1"/>
+          <p:nvPr/>
+        </p:nvSpPr>
+        <p:spPr>
+          <a:xfrm>
+            <a:off x="0" y="6544800"/>
+            <a:ext cx="3297240" cy="356040"/>
+          </a:xfrm>
+          <a:prstGeom prst="rect">
+            <a:avLst/>
+          </a:prstGeom>
+          <a:noFill/>
+          <a:ln>
+            <a:noFill/>
+          </a:ln>
+        </p:spPr>
+        <p:txBody>
+          <a:bodyPr lIns="90000" rIns="90000" tIns="45000" bIns="45000"/>
+          <a:p>
+            <a:pPr>
+              <a:lnSpc>
+                <a:spcPct val="100000"/>
+              </a:lnSpc>
+            </a:pPr>
+            <a:r>
+              <a:rPr b="0" lang="en-US" sz="1800" spc="-1" strike="noStrike">
+                <a:solidFill>
+                  <a:srgbClr val="000000"/>
+                </a:solidFill>
+                <a:uFill>
+                  <a:solidFill>
+                    <a:srgbClr val="ffffff"/>
+                  </a:solidFill>
+                </a:uFill>
+                <a:latin typeface="Calibri"/>
+                <a:ea typeface="DejaVu Sans"/>
+              </a:rPr>
+              <a:t>Jetz et al. 2012 Nature</a:t>
+            </a:r>
+            <a:endParaRPr b="0" lang="en-US" sz="1800" spc="-1" strike="noStrike">
+              <a:solidFill>
+                <a:srgbClr val="000000"/>
+              </a:solidFill>
+              <a:uFill>
+                <a:solidFill>
+                  <a:srgbClr val="ffffff"/>
+                </a:solidFill>
+              </a:uFill>
+              <a:latin typeface="Arial"/>
+            </a:endParaRPr>
+          </a:p>
+        </p:txBody>
+      </p:sp>
+    </p:spTree>
+  </p:cSld>
+  <p:timing>
+    <p:tnLst>
+      <p:par>
+        <p:cTn id="17" dur="indefinite" restart="never" nodeType="tmRoot">
+          <p:childTnLst>
+            <p:seq>
+              <p:cTn id="18" nodeType="mainSeq"/>
+              <p:prevCondLst>
+                <p:cond delay="0" evt="onPrev">
+                  <p:tgtEl>
+                    <p:sldTgt/>
+                  </p:tgtEl>
+                </p:cond>
+              </p:prevCondLst>
+              <p:nextCondLst>
+                <p:cond delay="0" evt="onNext">
                   <p:tgtEl>
                     <p:sldTgt/>
                   </p:tgtEl>
@@ -3004,7 +3646,5 @@
       </a:bgFillStyleLst>
     </a:fmtScheme>
   </a:themeElements>
-  <a:objectDefaults/>
-  <a:extraClrSchemeLst/>
 </a:theme>
 </file>